--- a/comp-repro.pptx
+++ b/comp-repro.pptx
@@ -4147,7 +4147,7 @@
             <a:pPr lvl="2"/>
             <a:r>
               <a:rPr lang="en-US" dirty="0"/>
-              <a:t>Click on work, click on </a:t>
+              <a:t>Click on </a:t>
             </a:r>
             <a:r>
               <a:rPr lang="en-US" dirty="0" err="1"/>
@@ -4305,7 +4305,7 @@
             <a:pPr lvl="2"/>
             <a:r>
               <a:rPr lang="en-US" dirty="0"/>
-              <a:t>Click on work, click on </a:t>
+              <a:t>Click on </a:t>
             </a:r>
             <a:r>
               <a:rPr lang="en-US" dirty="0" err="1"/>
@@ -4567,7 +4567,7 @@
         <p:spPr/>
         <p:txBody>
           <a:bodyPr>
-            <a:normAutofit fontScale="85000" lnSpcReduction="20000"/>
+            <a:normAutofit fontScale="92500" lnSpcReduction="20000"/>
           </a:bodyPr>
           <a:lstStyle/>
           <a:p>
@@ -4586,15 +4586,6 @@
             <a:r>
               <a:rPr lang="en-US" dirty="0"/>
               <a:t>In the terminal</a:t>
-            </a:r>
-          </a:p>
-          <a:p>
-            <a:pPr lvl="1"/>
-            <a:r>
-              <a:rPr lang="en-US" dirty="0">
-                <a:latin typeface="American Typewriter" panose="02090604020004020304" pitchFamily="18" charset="77"/>
-              </a:rPr>
-              <a:t>cd work</a:t>
             </a:r>
           </a:p>
           <a:p>
@@ -4796,13 +4787,21 @@
           <a:p>
             <a:r>
               <a:rPr lang="en-US" dirty="0"/>
-              <a:t>vi discussion</a:t>
-            </a:r>
-          </a:p>
-          <a:p>
-            <a:r>
-              <a:rPr lang="en-US" dirty="0"/>
               <a:t>Remove comment characters in line 19 to add a glass slab</a:t>
+            </a:r>
+          </a:p>
+          <a:p>
+            <a:pPr lvl="1"/>
+            <a:r>
+              <a:rPr lang="en-US" dirty="0"/>
+              <a:t>Edit in binder</a:t>
+            </a:r>
+          </a:p>
+          <a:p>
+            <a:pPr lvl="1"/>
+            <a:r>
+              <a:rPr lang="en-US" dirty="0"/>
+              <a:t>Or use vi from the terminal</a:t>
             </a:r>
           </a:p>
           <a:p>

--- a/comp-repro.pptx
+++ b/comp-repro.pptx
@@ -5,10 +5,10 @@
     <p:sldMasterId id="2147483684" r:id="rId1"/>
   </p:sldMasterIdLst>
   <p:notesMasterIdLst>
-    <p:notesMasterId r:id="rId24"/>
+    <p:notesMasterId r:id="rId25"/>
   </p:notesMasterIdLst>
   <p:handoutMasterIdLst>
-    <p:handoutMasterId r:id="rId25"/>
+    <p:handoutMasterId r:id="rId26"/>
   </p:handoutMasterIdLst>
   <p:sldIdLst>
     <p:sldId id="289" r:id="rId2"/>
@@ -31,8 +31,9 @@
     <p:sldId id="274" r:id="rId19"/>
     <p:sldId id="275" r:id="rId20"/>
     <p:sldId id="276" r:id="rId21"/>
-    <p:sldId id="260" r:id="rId22"/>
-    <p:sldId id="286" r:id="rId23"/>
+    <p:sldId id="291" r:id="rId22"/>
+    <p:sldId id="260" r:id="rId23"/>
+    <p:sldId id="286" r:id="rId24"/>
   </p:sldIdLst>
   <p:sldSz cx="12192000" cy="6858000"/>
   <p:notesSz cx="6858000" cy="9144000"/>
@@ -3811,7 +3812,7 @@
           <a:p>
             <a:r>
               <a:rPr lang="en-US" dirty="0"/>
-              <a:t>What’s the same?  What’s different</a:t>
+              <a:t>What’s the same?  What’s different?</a:t>
             </a:r>
           </a:p>
         </p:txBody>
@@ -3851,6 +3852,175 @@
           <p:cNvPr id="2" name="Title 1">
             <a:extLst>
               <a:ext uri="{FF2B5EF4-FFF2-40B4-BE49-F238E27FC236}">
+                <a16:creationId xmlns:a16="http://schemas.microsoft.com/office/drawing/2014/main" id="{7058859B-F5CA-5E49-8F02-E9B3A8AAD777}"/>
+              </a:ext>
+            </a:extLst>
+          </p:cNvPr>
+          <p:cNvSpPr>
+            <a:spLocks noGrp="1"/>
+          </p:cNvSpPr>
+          <p:nvPr>
+            <p:ph type="title"/>
+          </p:nvPr>
+        </p:nvSpPr>
+        <p:spPr/>
+        <p:txBody>
+          <a:bodyPr/>
+          <a:lstStyle/>
+          <a:p>
+            <a:r>
+              <a:rPr lang="en-US" dirty="0"/>
+              <a:t>Scripts</a:t>
+            </a:r>
+          </a:p>
+        </p:txBody>
+      </p:sp>
+      <p:sp>
+        <p:nvSpPr>
+          <p:cNvPr id="3" name="Content Placeholder 2">
+            <a:extLst>
+              <a:ext uri="{FF2B5EF4-FFF2-40B4-BE49-F238E27FC236}">
+                <a16:creationId xmlns:a16="http://schemas.microsoft.com/office/drawing/2014/main" id="{19661DF9-D376-D548-B1C1-DDB3FB40BFC5}"/>
+              </a:ext>
+            </a:extLst>
+          </p:cNvPr>
+          <p:cNvSpPr>
+            <a:spLocks noGrp="1"/>
+          </p:cNvSpPr>
+          <p:nvPr>
+            <p:ph idx="10"/>
+          </p:nvPr>
+        </p:nvSpPr>
+        <p:spPr/>
+        <p:txBody>
+          <a:bodyPr/>
+          <a:lstStyle/>
+          <a:p>
+            <a:pPr>
+              <a:lnSpc>
+                <a:spcPct val="100000"/>
+              </a:lnSpc>
+            </a:pPr>
+            <a:r>
+              <a:rPr lang="en-US" dirty="0"/>
+              <a:t>Back to “write down what you did”</a:t>
+            </a:r>
+          </a:p>
+          <a:p>
+            <a:pPr>
+              <a:lnSpc>
+                <a:spcPct val="100000"/>
+              </a:lnSpc>
+            </a:pPr>
+            <a:r>
+              <a:rPr lang="en-US" dirty="0"/>
+              <a:t>Easier if you write it in an executable manner, and then execute it yourself to do your work</a:t>
+            </a:r>
+          </a:p>
+          <a:p>
+            <a:pPr>
+              <a:lnSpc>
+                <a:spcPct val="100000"/>
+              </a:lnSpc>
+            </a:pPr>
+            <a:r>
+              <a:rPr lang="en-US" dirty="0"/>
+              <a:t>How to do this?</a:t>
+            </a:r>
+          </a:p>
+          <a:p>
+            <a:pPr lvl="1">
+              <a:lnSpc>
+                <a:spcPct val="100000"/>
+              </a:lnSpc>
+            </a:pPr>
+            <a:r>
+              <a:rPr lang="en-US" dirty="0"/>
+              <a:t>Shell script – list of commands that can be run</a:t>
+            </a:r>
+          </a:p>
+          <a:p>
+            <a:pPr lvl="2">
+              <a:lnSpc>
+                <a:spcPct val="100000"/>
+              </a:lnSpc>
+            </a:pPr>
+            <a:r>
+              <a:rPr lang="en-US" dirty="0"/>
+              <a:t>Issues – some steps may not be commands; script can be run end-to-end but is difficult to stop in the middle then resume; most steps benefit from explanation</a:t>
+            </a:r>
+          </a:p>
+          <a:p>
+            <a:pPr lvl="1">
+              <a:lnSpc>
+                <a:spcPct val="100000"/>
+              </a:lnSpc>
+            </a:pPr>
+            <a:r>
+              <a:rPr lang="en-US" dirty="0" err="1"/>
+              <a:t>Jupyter</a:t>
+            </a:r>
+            <a:r>
+              <a:rPr lang="en-US" dirty="0"/>
+              <a:t> notebook – as discussed on Tuesday, embedded explanation and code blocks that can be stepped through (and replayed)</a:t>
+            </a:r>
+          </a:p>
+          <a:p>
+            <a:pPr lvl="2">
+              <a:lnSpc>
+                <a:spcPct val="100000"/>
+              </a:lnSpc>
+            </a:pPr>
+            <a:r>
+              <a:rPr lang="en-US" dirty="0"/>
+              <a:t>Issues – what about using remote resources?  (One solution is </a:t>
+            </a:r>
+            <a:r>
+              <a:rPr lang="en-US" dirty="0" err="1"/>
+              <a:t>iPP</a:t>
+            </a:r>
+            <a:r>
+              <a:rPr lang="en-US" dirty="0"/>
+              <a:t>)</a:t>
+            </a:r>
+          </a:p>
+        </p:txBody>
+      </p:sp>
+    </p:spTree>
+    <p:extLst>
+      <p:ext uri="{BB962C8B-B14F-4D97-AF65-F5344CB8AC3E}">
+        <p14:creationId xmlns:p14="http://schemas.microsoft.com/office/powerpoint/2010/main" val="1778279791"/>
+      </p:ext>
+    </p:extLst>
+  </p:cSld>
+  <p:clrMapOvr>
+    <a:masterClrMapping/>
+  </p:clrMapOvr>
+</p:sld>
+</file>
+
+<file path=ppt/slides/slide22.xml><?xml version="1.0" encoding="utf-8"?>
+<p:sld xmlns:a="http://schemas.openxmlformats.org/drawingml/2006/main" xmlns:r="http://schemas.openxmlformats.org/officeDocument/2006/relationships" xmlns:p="http://schemas.openxmlformats.org/presentationml/2006/main">
+  <p:cSld>
+    <p:spTree>
+      <p:nvGrpSpPr>
+        <p:cNvPr id="1" name=""/>
+        <p:cNvGrpSpPr/>
+        <p:nvPr/>
+      </p:nvGrpSpPr>
+      <p:grpSpPr>
+        <a:xfrm>
+          <a:off x="0" y="0"/>
+          <a:ext cx="0" cy="0"/>
+          <a:chOff x="0" y="0"/>
+          <a:chExt cx="0" cy="0"/>
+        </a:xfrm>
+      </p:grpSpPr>
+      <p:sp>
+        <p:nvSpPr>
+          <p:cNvPr id="2" name="Title 1">
+            <a:extLst>
+              <a:ext uri="{FF2B5EF4-FFF2-40B4-BE49-F238E27FC236}">
                 <a16:creationId xmlns:a16="http://schemas.microsoft.com/office/drawing/2014/main" id="{B8ACE7B0-D322-414B-9CE9-4A84B753F8F5}"/>
               </a:ext>
             </a:extLst>
@@ -4098,7 +4268,7 @@
 </p:sld>
 </file>
 
-<file path=ppt/slides/slide22.xml><?xml version="1.0" encoding="utf-8"?>
+<file path=ppt/slides/slide23.xml><?xml version="1.0" encoding="utf-8"?>
 <p:sld xmlns:a="http://schemas.openxmlformats.org/drawingml/2006/main" xmlns:r="http://schemas.openxmlformats.org/officeDocument/2006/relationships" xmlns:p="http://schemas.openxmlformats.org/presentationml/2006/main">
   <p:cSld>
     <p:spTree>

--- a/comp-repro.pptx
+++ b/comp-repro.pptx
@@ -1687,8 +1687,8 @@
         </p:nvSpPr>
         <p:spPr>
           <a:xfrm>
-            <a:off x="1619003" y="1019782"/>
-            <a:ext cx="8953994" cy="1938992"/>
+            <a:off x="731322" y="651649"/>
+            <a:ext cx="10729356" cy="3170099"/>
           </a:xfrm>
           <a:prstGeom prst="rect">
             <a:avLst/>
@@ -1723,6 +1723,57 @@
                 </a:solidFill>
               </a:rPr>
               <a:t>(Research Reproducibility in Theory and Practice, Day 4, FSCI2018)</a:t>
+            </a:r>
+          </a:p>
+          <a:p>
+            <a:pPr algn="ctr"/>
+            <a:endParaRPr lang="en-US" sz="4000" b="1" dirty="0">
+              <a:solidFill>
+                <a:schemeClr val="bg1"/>
+              </a:solidFill>
+            </a:endParaRPr>
+          </a:p>
+          <a:p>
+            <a:pPr algn="ctr"/>
+            <a:r>
+              <a:rPr lang="en-US" sz="4000" b="1" dirty="0">
+                <a:solidFill>
+                  <a:schemeClr val="bg1"/>
+                </a:solidFill>
+              </a:rPr>
+              <a:t>https://</a:t>
+            </a:r>
+            <a:r>
+              <a:rPr lang="en-US" sz="4000" b="1" dirty="0" err="1">
+                <a:solidFill>
+                  <a:schemeClr val="bg1"/>
+                </a:solidFill>
+              </a:rPr>
+              <a:t>github.com</a:t>
+            </a:r>
+            <a:r>
+              <a:rPr lang="en-US" sz="4000" b="1" dirty="0">
+                <a:solidFill>
+                  <a:schemeClr val="bg1"/>
+                </a:solidFill>
+              </a:rPr>
+              <a:t>/</a:t>
+            </a:r>
+            <a:r>
+              <a:rPr lang="en-US" sz="4000" b="1" dirty="0" err="1">
+                <a:solidFill>
+                  <a:schemeClr val="bg1"/>
+                </a:solidFill>
+              </a:rPr>
+              <a:t>danielskatz</a:t>
+            </a:r>
+            <a:r>
+              <a:rPr lang="en-US" sz="4000" b="1" dirty="0">
+                <a:solidFill>
+                  <a:schemeClr val="bg1"/>
+                </a:solidFill>
+              </a:rPr>
+              <a:t>/repro-fdtd1d</a:t>
             </a:r>
           </a:p>
         </p:txBody>
@@ -4232,7 +4283,7 @@
           <a:p>
             <a:r>
               <a:rPr lang="en-US" dirty="0"/>
-              <a:t>time basis</a:t>
+              <a:t>time basis – code versions</a:t>
             </a:r>
           </a:p>
           <a:p>
@@ -4244,8 +4295,13 @@
           <a:p>
             <a:r>
               <a:rPr lang="en-US" dirty="0"/>
-              <a:t>containers</a:t>
-            </a:r>
+              <a:t>Containers – storage &amp; reuse </a:t>
+            </a:r>
+            <a:r>
+              <a:rPr lang="en-US"/>
+              <a:t>vs understanding</a:t>
+            </a:r>
+            <a:endParaRPr lang="en-US" dirty="0"/>
           </a:p>
           <a:p>
             <a:r>

--- a/comp-repro.pptx
+++ b/comp-repro.pptx
@@ -5,10 +5,10 @@
     <p:sldMasterId id="2147483684" r:id="rId1"/>
   </p:sldMasterIdLst>
   <p:notesMasterIdLst>
-    <p:notesMasterId r:id="rId25"/>
+    <p:notesMasterId r:id="rId26"/>
   </p:notesMasterIdLst>
   <p:handoutMasterIdLst>
-    <p:handoutMasterId r:id="rId26"/>
+    <p:handoutMasterId r:id="rId27"/>
   </p:handoutMasterIdLst>
   <p:sldIdLst>
     <p:sldId id="289" r:id="rId2"/>
@@ -32,8 +32,9 @@
     <p:sldId id="275" r:id="rId20"/>
     <p:sldId id="276" r:id="rId21"/>
     <p:sldId id="291" r:id="rId22"/>
-    <p:sldId id="260" r:id="rId23"/>
-    <p:sldId id="286" r:id="rId24"/>
+    <p:sldId id="292" r:id="rId23"/>
+    <p:sldId id="260" r:id="rId24"/>
+    <p:sldId id="286" r:id="rId25"/>
   </p:sldIdLst>
   <p:sldSz cx="12192000" cy="6858000"/>
   <p:notesSz cx="6858000" cy="9144000"/>
@@ -247,7 +248,7 @@
           <a:p>
             <a:fld id="{32DEC937-A386-4961-8A28-884D8B5C438A}" type="datetimeFigureOut">
               <a:rPr lang="en-US" smtClean="0"/>
-              <a:t>7/30/18</a:t>
+              <a:t>8/1/18</a:t>
             </a:fld>
             <a:endParaRPr lang="en-US"/>
           </a:p>
@@ -412,7 +413,7 @@
           <a:p>
             <a:fld id="{57C13B16-48AB-44EC-91A9-070EA98DE4A9}" type="datetimeFigureOut">
               <a:rPr lang="en-US" smtClean="0"/>
-              <a:t>7/30/18</a:t>
+              <a:t>8/1/18</a:t>
             </a:fld>
             <a:endParaRPr lang="en-US"/>
           </a:p>
@@ -1201,7 +1202,7 @@
           <a:p>
             <a:fld id="{DA150928-65F3-6645-8EAB-26196F697D16}" type="datetimeFigureOut">
               <a:rPr lang="en-US" smtClean="0"/>
-              <a:t>7/30/18</a:t>
+              <a:t>8/1/18</a:t>
             </a:fld>
             <a:endParaRPr lang="en-US"/>
           </a:p>
@@ -1980,6 +1981,199 @@
   <p:clrMapOvr>
     <a:masterClrMapping/>
   </p:clrMapOvr>
+  <p:timing>
+    <p:tnLst>
+      <p:par>
+        <p:cTn id="1" dur="indefinite" restart="never" nodeType="tmRoot">
+          <p:childTnLst>
+            <p:seq concurrent="1" nextAc="seek">
+              <p:cTn id="2" dur="indefinite" nodeType="mainSeq">
+                <p:childTnLst>
+                  <p:par>
+                    <p:cTn id="3" fill="hold">
+                      <p:stCondLst>
+                        <p:cond delay="indefinite"/>
+                      </p:stCondLst>
+                      <p:childTnLst>
+                        <p:par>
+                          <p:cTn id="4" fill="hold">
+                            <p:stCondLst>
+                              <p:cond delay="0"/>
+                            </p:stCondLst>
+                            <p:childTnLst>
+                              <p:par>
+                                <p:cTn id="5" presetID="1" presetClass="entr" presetSubtype="0" fill="hold" grpId="0" nodeType="clickEffect">
+                                  <p:stCondLst>
+                                    <p:cond delay="0"/>
+                                  </p:stCondLst>
+                                  <p:childTnLst>
+                                    <p:set>
+                                      <p:cBhvr>
+                                        <p:cTn id="6" dur="1" fill="hold">
+                                          <p:stCondLst>
+                                            <p:cond delay="0"/>
+                                          </p:stCondLst>
+                                        </p:cTn>
+                                        <p:tgtEl>
+                                          <p:spTgt spid="3">
+                                            <p:txEl>
+                                              <p:pRg st="0" end="0"/>
+                                            </p:txEl>
+                                          </p:spTgt>
+                                        </p:tgtEl>
+                                        <p:attrNameLst>
+                                          <p:attrName>style.visibility</p:attrName>
+                                        </p:attrNameLst>
+                                      </p:cBhvr>
+                                      <p:to>
+                                        <p:strVal val="visible"/>
+                                      </p:to>
+                                    </p:set>
+                                  </p:childTnLst>
+                                </p:cTn>
+                              </p:par>
+                              <p:par>
+                                <p:cTn id="7" presetID="1" presetClass="entr" presetSubtype="0" fill="hold" grpId="0" nodeType="withEffect">
+                                  <p:stCondLst>
+                                    <p:cond delay="0"/>
+                                  </p:stCondLst>
+                                  <p:childTnLst>
+                                    <p:set>
+                                      <p:cBhvr>
+                                        <p:cTn id="8" dur="1" fill="hold">
+                                          <p:stCondLst>
+                                            <p:cond delay="0"/>
+                                          </p:stCondLst>
+                                        </p:cTn>
+                                        <p:tgtEl>
+                                          <p:spTgt spid="3">
+                                            <p:txEl>
+                                              <p:pRg st="1" end="1"/>
+                                            </p:txEl>
+                                          </p:spTgt>
+                                        </p:tgtEl>
+                                        <p:attrNameLst>
+                                          <p:attrName>style.visibility</p:attrName>
+                                        </p:attrNameLst>
+                                      </p:cBhvr>
+                                      <p:to>
+                                        <p:strVal val="visible"/>
+                                      </p:to>
+                                    </p:set>
+                                  </p:childTnLst>
+                                </p:cTn>
+                              </p:par>
+                            </p:childTnLst>
+                          </p:cTn>
+                        </p:par>
+                      </p:childTnLst>
+                    </p:cTn>
+                  </p:par>
+                  <p:par>
+                    <p:cTn id="9" fill="hold">
+                      <p:stCondLst>
+                        <p:cond delay="indefinite"/>
+                      </p:stCondLst>
+                      <p:childTnLst>
+                        <p:par>
+                          <p:cTn id="10" fill="hold">
+                            <p:stCondLst>
+                              <p:cond delay="0"/>
+                            </p:stCondLst>
+                            <p:childTnLst>
+                              <p:par>
+                                <p:cTn id="11" presetID="1" presetClass="entr" presetSubtype="0" fill="hold" grpId="0" nodeType="clickEffect">
+                                  <p:stCondLst>
+                                    <p:cond delay="0"/>
+                                  </p:stCondLst>
+                                  <p:childTnLst>
+                                    <p:set>
+                                      <p:cBhvr>
+                                        <p:cTn id="12" dur="1" fill="hold">
+                                          <p:stCondLst>
+                                            <p:cond delay="0"/>
+                                          </p:stCondLst>
+                                        </p:cTn>
+                                        <p:tgtEl>
+                                          <p:spTgt spid="3">
+                                            <p:txEl>
+                                              <p:pRg st="2" end="2"/>
+                                            </p:txEl>
+                                          </p:spTgt>
+                                        </p:tgtEl>
+                                        <p:attrNameLst>
+                                          <p:attrName>style.visibility</p:attrName>
+                                        </p:attrNameLst>
+                                      </p:cBhvr>
+                                      <p:to>
+                                        <p:strVal val="visible"/>
+                                      </p:to>
+                                    </p:set>
+                                  </p:childTnLst>
+                                </p:cTn>
+                              </p:par>
+                              <p:par>
+                                <p:cTn id="13" presetID="1" presetClass="entr" presetSubtype="0" fill="hold" grpId="0" nodeType="withEffect">
+                                  <p:stCondLst>
+                                    <p:cond delay="0"/>
+                                  </p:stCondLst>
+                                  <p:childTnLst>
+                                    <p:set>
+                                      <p:cBhvr>
+                                        <p:cTn id="14" dur="1" fill="hold">
+                                          <p:stCondLst>
+                                            <p:cond delay="0"/>
+                                          </p:stCondLst>
+                                        </p:cTn>
+                                        <p:tgtEl>
+                                          <p:spTgt spid="3">
+                                            <p:txEl>
+                                              <p:pRg st="3" end="3"/>
+                                            </p:txEl>
+                                          </p:spTgt>
+                                        </p:tgtEl>
+                                        <p:attrNameLst>
+                                          <p:attrName>style.visibility</p:attrName>
+                                        </p:attrNameLst>
+                                      </p:cBhvr>
+                                      <p:to>
+                                        <p:strVal val="visible"/>
+                                      </p:to>
+                                    </p:set>
+                                  </p:childTnLst>
+                                </p:cTn>
+                              </p:par>
+                            </p:childTnLst>
+                          </p:cTn>
+                        </p:par>
+                      </p:childTnLst>
+                    </p:cTn>
+                  </p:par>
+                </p:childTnLst>
+              </p:cTn>
+              <p:prevCondLst>
+                <p:cond evt="onPrev" delay="0">
+                  <p:tgtEl>
+                    <p:sldTgt/>
+                  </p:tgtEl>
+                </p:cond>
+              </p:prevCondLst>
+              <p:nextCondLst>
+                <p:cond evt="onNext" delay="0">
+                  <p:tgtEl>
+                    <p:sldTgt/>
+                  </p:tgtEl>
+                </p:cond>
+              </p:nextCondLst>
+            </p:seq>
+          </p:childTnLst>
+        </p:cTn>
+      </p:par>
+    </p:tnLst>
+    <p:bldLst>
+      <p:bldP spid="3" grpId="0" uiExpand="1" build="p"/>
+    </p:bldLst>
+  </p:timing>
 </p:sld>
 </file>
 
@@ -2123,6 +2317,235 @@
   <p:clrMapOvr>
     <a:masterClrMapping/>
   </p:clrMapOvr>
+  <p:timing>
+    <p:tnLst>
+      <p:par>
+        <p:cTn id="1" dur="indefinite" restart="never" nodeType="tmRoot">
+          <p:childTnLst>
+            <p:seq concurrent="1" nextAc="seek">
+              <p:cTn id="2" dur="indefinite" nodeType="mainSeq">
+                <p:childTnLst>
+                  <p:par>
+                    <p:cTn id="3" fill="hold">
+                      <p:stCondLst>
+                        <p:cond delay="indefinite"/>
+                      </p:stCondLst>
+                      <p:childTnLst>
+                        <p:par>
+                          <p:cTn id="4" fill="hold">
+                            <p:stCondLst>
+                              <p:cond delay="0"/>
+                            </p:stCondLst>
+                            <p:childTnLst>
+                              <p:par>
+                                <p:cTn id="5" presetID="1" presetClass="entr" presetSubtype="0" fill="hold" grpId="0" nodeType="clickEffect">
+                                  <p:stCondLst>
+                                    <p:cond delay="0"/>
+                                  </p:stCondLst>
+                                  <p:childTnLst>
+                                    <p:set>
+                                      <p:cBhvr>
+                                        <p:cTn id="6" dur="1" fill="hold">
+                                          <p:stCondLst>
+                                            <p:cond delay="0"/>
+                                          </p:stCondLst>
+                                        </p:cTn>
+                                        <p:tgtEl>
+                                          <p:spTgt spid="3">
+                                            <p:txEl>
+                                              <p:pRg st="0" end="0"/>
+                                            </p:txEl>
+                                          </p:spTgt>
+                                        </p:tgtEl>
+                                        <p:attrNameLst>
+                                          <p:attrName>style.visibility</p:attrName>
+                                        </p:attrNameLst>
+                                      </p:cBhvr>
+                                      <p:to>
+                                        <p:strVal val="visible"/>
+                                      </p:to>
+                                    </p:set>
+                                  </p:childTnLst>
+                                </p:cTn>
+                              </p:par>
+                            </p:childTnLst>
+                          </p:cTn>
+                        </p:par>
+                      </p:childTnLst>
+                    </p:cTn>
+                  </p:par>
+                  <p:par>
+                    <p:cTn id="7" fill="hold">
+                      <p:stCondLst>
+                        <p:cond delay="indefinite"/>
+                      </p:stCondLst>
+                      <p:childTnLst>
+                        <p:par>
+                          <p:cTn id="8" fill="hold">
+                            <p:stCondLst>
+                              <p:cond delay="0"/>
+                            </p:stCondLst>
+                            <p:childTnLst>
+                              <p:par>
+                                <p:cTn id="9" presetID="1" presetClass="entr" presetSubtype="0" fill="hold" grpId="0" nodeType="clickEffect">
+                                  <p:stCondLst>
+                                    <p:cond delay="0"/>
+                                  </p:stCondLst>
+                                  <p:childTnLst>
+                                    <p:set>
+                                      <p:cBhvr>
+                                        <p:cTn id="10" dur="1" fill="hold">
+                                          <p:stCondLst>
+                                            <p:cond delay="0"/>
+                                          </p:stCondLst>
+                                        </p:cTn>
+                                        <p:tgtEl>
+                                          <p:spTgt spid="3">
+                                            <p:txEl>
+                                              <p:pRg st="1" end="1"/>
+                                            </p:txEl>
+                                          </p:spTgt>
+                                        </p:tgtEl>
+                                        <p:attrNameLst>
+                                          <p:attrName>style.visibility</p:attrName>
+                                        </p:attrNameLst>
+                                      </p:cBhvr>
+                                      <p:to>
+                                        <p:strVal val="visible"/>
+                                      </p:to>
+                                    </p:set>
+                                  </p:childTnLst>
+                                </p:cTn>
+                              </p:par>
+                            </p:childTnLst>
+                          </p:cTn>
+                        </p:par>
+                      </p:childTnLst>
+                    </p:cTn>
+                  </p:par>
+                  <p:par>
+                    <p:cTn id="11" fill="hold">
+                      <p:stCondLst>
+                        <p:cond delay="indefinite"/>
+                      </p:stCondLst>
+                      <p:childTnLst>
+                        <p:par>
+                          <p:cTn id="12" fill="hold">
+                            <p:stCondLst>
+                              <p:cond delay="0"/>
+                            </p:stCondLst>
+                            <p:childTnLst>
+                              <p:par>
+                                <p:cTn id="13" presetID="1" presetClass="entr" presetSubtype="0" fill="hold" grpId="0" nodeType="clickEffect">
+                                  <p:stCondLst>
+                                    <p:cond delay="0"/>
+                                  </p:stCondLst>
+                                  <p:childTnLst>
+                                    <p:set>
+                                      <p:cBhvr>
+                                        <p:cTn id="14" dur="1" fill="hold">
+                                          <p:stCondLst>
+                                            <p:cond delay="0"/>
+                                          </p:stCondLst>
+                                        </p:cTn>
+                                        <p:tgtEl>
+                                          <p:spTgt spid="3">
+                                            <p:txEl>
+                                              <p:pRg st="2" end="2"/>
+                                            </p:txEl>
+                                          </p:spTgt>
+                                        </p:tgtEl>
+                                        <p:attrNameLst>
+                                          <p:attrName>style.visibility</p:attrName>
+                                        </p:attrNameLst>
+                                      </p:cBhvr>
+                                      <p:to>
+                                        <p:strVal val="visible"/>
+                                      </p:to>
+                                    </p:set>
+                                  </p:childTnLst>
+                                </p:cTn>
+                              </p:par>
+                            </p:childTnLst>
+                          </p:cTn>
+                        </p:par>
+                      </p:childTnLst>
+                    </p:cTn>
+                  </p:par>
+                  <p:par>
+                    <p:cTn id="15" fill="hold">
+                      <p:stCondLst>
+                        <p:cond delay="indefinite"/>
+                      </p:stCondLst>
+                      <p:childTnLst>
+                        <p:par>
+                          <p:cTn id="16" fill="hold">
+                            <p:stCondLst>
+                              <p:cond delay="0"/>
+                            </p:stCondLst>
+                            <p:childTnLst>
+                              <p:par>
+                                <p:cTn id="17" presetID="1" presetClass="entr" presetSubtype="0" fill="hold" grpId="0" nodeType="clickEffect">
+                                  <p:stCondLst>
+                                    <p:cond delay="0"/>
+                                  </p:stCondLst>
+                                  <p:childTnLst>
+                                    <p:set>
+                                      <p:cBhvr>
+                                        <p:cTn id="18" dur="1" fill="hold">
+                                          <p:stCondLst>
+                                            <p:cond delay="0"/>
+                                          </p:stCondLst>
+                                        </p:cTn>
+                                        <p:tgtEl>
+                                          <p:spTgt spid="3">
+                                            <p:txEl>
+                                              <p:pRg st="3" end="3"/>
+                                            </p:txEl>
+                                          </p:spTgt>
+                                        </p:tgtEl>
+                                        <p:attrNameLst>
+                                          <p:attrName>style.visibility</p:attrName>
+                                        </p:attrNameLst>
+                                      </p:cBhvr>
+                                      <p:to>
+                                        <p:strVal val="visible"/>
+                                      </p:to>
+                                    </p:set>
+                                  </p:childTnLst>
+                                </p:cTn>
+                              </p:par>
+                            </p:childTnLst>
+                          </p:cTn>
+                        </p:par>
+                      </p:childTnLst>
+                    </p:cTn>
+                  </p:par>
+                </p:childTnLst>
+              </p:cTn>
+              <p:prevCondLst>
+                <p:cond evt="onPrev" delay="0">
+                  <p:tgtEl>
+                    <p:sldTgt/>
+                  </p:tgtEl>
+                </p:cond>
+              </p:prevCondLst>
+              <p:nextCondLst>
+                <p:cond evt="onNext" delay="0">
+                  <p:tgtEl>
+                    <p:sldTgt/>
+                  </p:tgtEl>
+                </p:cond>
+              </p:nextCondLst>
+            </p:seq>
+          </p:childTnLst>
+        </p:cTn>
+      </p:par>
+    </p:tnLst>
+    <p:bldLst>
+      <p:bldP spid="3" grpId="0" uiExpand="1" build="p"/>
+    </p:bldLst>
+  </p:timing>
 </p:sld>
 </file>
 
@@ -2271,6 +2694,235 @@
   <p:clrMapOvr>
     <a:masterClrMapping/>
   </p:clrMapOvr>
+  <p:timing>
+    <p:tnLst>
+      <p:par>
+        <p:cTn id="1" dur="indefinite" restart="never" nodeType="tmRoot">
+          <p:childTnLst>
+            <p:seq concurrent="1" nextAc="seek">
+              <p:cTn id="2" dur="indefinite" nodeType="mainSeq">
+                <p:childTnLst>
+                  <p:par>
+                    <p:cTn id="3" fill="hold">
+                      <p:stCondLst>
+                        <p:cond delay="indefinite"/>
+                      </p:stCondLst>
+                      <p:childTnLst>
+                        <p:par>
+                          <p:cTn id="4" fill="hold">
+                            <p:stCondLst>
+                              <p:cond delay="0"/>
+                            </p:stCondLst>
+                            <p:childTnLst>
+                              <p:par>
+                                <p:cTn id="5" presetID="1" presetClass="entr" presetSubtype="0" fill="hold" grpId="0" nodeType="clickEffect">
+                                  <p:stCondLst>
+                                    <p:cond delay="0"/>
+                                  </p:stCondLst>
+                                  <p:childTnLst>
+                                    <p:set>
+                                      <p:cBhvr>
+                                        <p:cTn id="6" dur="1" fill="hold">
+                                          <p:stCondLst>
+                                            <p:cond delay="0"/>
+                                          </p:stCondLst>
+                                        </p:cTn>
+                                        <p:tgtEl>
+                                          <p:spTgt spid="3">
+                                            <p:txEl>
+                                              <p:pRg st="0" end="0"/>
+                                            </p:txEl>
+                                          </p:spTgt>
+                                        </p:tgtEl>
+                                        <p:attrNameLst>
+                                          <p:attrName>style.visibility</p:attrName>
+                                        </p:attrNameLst>
+                                      </p:cBhvr>
+                                      <p:to>
+                                        <p:strVal val="visible"/>
+                                      </p:to>
+                                    </p:set>
+                                  </p:childTnLst>
+                                </p:cTn>
+                              </p:par>
+                            </p:childTnLst>
+                          </p:cTn>
+                        </p:par>
+                      </p:childTnLst>
+                    </p:cTn>
+                  </p:par>
+                  <p:par>
+                    <p:cTn id="7" fill="hold">
+                      <p:stCondLst>
+                        <p:cond delay="indefinite"/>
+                      </p:stCondLst>
+                      <p:childTnLst>
+                        <p:par>
+                          <p:cTn id="8" fill="hold">
+                            <p:stCondLst>
+                              <p:cond delay="0"/>
+                            </p:stCondLst>
+                            <p:childTnLst>
+                              <p:par>
+                                <p:cTn id="9" presetID="1" presetClass="entr" presetSubtype="0" fill="hold" grpId="0" nodeType="clickEffect">
+                                  <p:stCondLst>
+                                    <p:cond delay="0"/>
+                                  </p:stCondLst>
+                                  <p:childTnLst>
+                                    <p:set>
+                                      <p:cBhvr>
+                                        <p:cTn id="10" dur="1" fill="hold">
+                                          <p:stCondLst>
+                                            <p:cond delay="0"/>
+                                          </p:stCondLst>
+                                        </p:cTn>
+                                        <p:tgtEl>
+                                          <p:spTgt spid="3">
+                                            <p:txEl>
+                                              <p:pRg st="1" end="1"/>
+                                            </p:txEl>
+                                          </p:spTgt>
+                                        </p:tgtEl>
+                                        <p:attrNameLst>
+                                          <p:attrName>style.visibility</p:attrName>
+                                        </p:attrNameLst>
+                                      </p:cBhvr>
+                                      <p:to>
+                                        <p:strVal val="visible"/>
+                                      </p:to>
+                                    </p:set>
+                                  </p:childTnLst>
+                                </p:cTn>
+                              </p:par>
+                            </p:childTnLst>
+                          </p:cTn>
+                        </p:par>
+                      </p:childTnLst>
+                    </p:cTn>
+                  </p:par>
+                  <p:par>
+                    <p:cTn id="11" fill="hold">
+                      <p:stCondLst>
+                        <p:cond delay="indefinite"/>
+                      </p:stCondLst>
+                      <p:childTnLst>
+                        <p:par>
+                          <p:cTn id="12" fill="hold">
+                            <p:stCondLst>
+                              <p:cond delay="0"/>
+                            </p:stCondLst>
+                            <p:childTnLst>
+                              <p:par>
+                                <p:cTn id="13" presetID="1" presetClass="entr" presetSubtype="0" fill="hold" grpId="0" nodeType="clickEffect">
+                                  <p:stCondLst>
+                                    <p:cond delay="0"/>
+                                  </p:stCondLst>
+                                  <p:childTnLst>
+                                    <p:set>
+                                      <p:cBhvr>
+                                        <p:cTn id="14" dur="1" fill="hold">
+                                          <p:stCondLst>
+                                            <p:cond delay="0"/>
+                                          </p:stCondLst>
+                                        </p:cTn>
+                                        <p:tgtEl>
+                                          <p:spTgt spid="3">
+                                            <p:txEl>
+                                              <p:pRg st="2" end="2"/>
+                                            </p:txEl>
+                                          </p:spTgt>
+                                        </p:tgtEl>
+                                        <p:attrNameLst>
+                                          <p:attrName>style.visibility</p:attrName>
+                                        </p:attrNameLst>
+                                      </p:cBhvr>
+                                      <p:to>
+                                        <p:strVal val="visible"/>
+                                      </p:to>
+                                    </p:set>
+                                  </p:childTnLst>
+                                </p:cTn>
+                              </p:par>
+                            </p:childTnLst>
+                          </p:cTn>
+                        </p:par>
+                      </p:childTnLst>
+                    </p:cTn>
+                  </p:par>
+                  <p:par>
+                    <p:cTn id="15" fill="hold">
+                      <p:stCondLst>
+                        <p:cond delay="indefinite"/>
+                      </p:stCondLst>
+                      <p:childTnLst>
+                        <p:par>
+                          <p:cTn id="16" fill="hold">
+                            <p:stCondLst>
+                              <p:cond delay="0"/>
+                            </p:stCondLst>
+                            <p:childTnLst>
+                              <p:par>
+                                <p:cTn id="17" presetID="1" presetClass="entr" presetSubtype="0" fill="hold" grpId="0" nodeType="clickEffect">
+                                  <p:stCondLst>
+                                    <p:cond delay="0"/>
+                                  </p:stCondLst>
+                                  <p:childTnLst>
+                                    <p:set>
+                                      <p:cBhvr>
+                                        <p:cTn id="18" dur="1" fill="hold">
+                                          <p:stCondLst>
+                                            <p:cond delay="0"/>
+                                          </p:stCondLst>
+                                        </p:cTn>
+                                        <p:tgtEl>
+                                          <p:spTgt spid="3">
+                                            <p:txEl>
+                                              <p:pRg st="3" end="3"/>
+                                            </p:txEl>
+                                          </p:spTgt>
+                                        </p:tgtEl>
+                                        <p:attrNameLst>
+                                          <p:attrName>style.visibility</p:attrName>
+                                        </p:attrNameLst>
+                                      </p:cBhvr>
+                                      <p:to>
+                                        <p:strVal val="visible"/>
+                                      </p:to>
+                                    </p:set>
+                                  </p:childTnLst>
+                                </p:cTn>
+                              </p:par>
+                            </p:childTnLst>
+                          </p:cTn>
+                        </p:par>
+                      </p:childTnLst>
+                    </p:cTn>
+                  </p:par>
+                </p:childTnLst>
+              </p:cTn>
+              <p:prevCondLst>
+                <p:cond evt="onPrev" delay="0">
+                  <p:tgtEl>
+                    <p:sldTgt/>
+                  </p:tgtEl>
+                </p:cond>
+              </p:prevCondLst>
+              <p:nextCondLst>
+                <p:cond evt="onNext" delay="0">
+                  <p:tgtEl>
+                    <p:sldTgt/>
+                  </p:tgtEl>
+                </p:cond>
+              </p:nextCondLst>
+            </p:seq>
+          </p:childTnLst>
+        </p:cTn>
+      </p:par>
+    </p:tnLst>
+    <p:bldLst>
+      <p:bldP spid="3" grpId="0" uiExpand="1" build="p"/>
+    </p:bldLst>
+  </p:timing>
 </p:sld>
 </file>
 
@@ -3603,6 +4255,30 @@
           <a:p>
             <a:r>
               <a:rPr lang="en-US" dirty="0"/>
+              <a:t>What are the inputs?</a:t>
+            </a:r>
+          </a:p>
+          <a:p>
+            <a:r>
+              <a:rPr lang="en-US" dirty="0"/>
+              <a:t>What if we weren’t using binder?  Can you download the source and run it yourself on your computer or elsewhere?</a:t>
+            </a:r>
+          </a:p>
+          <a:p>
+            <a:r>
+              <a:rPr lang="en-US" dirty="0"/>
+              <a:t>How would you choose to generate and display the plots?</a:t>
+            </a:r>
+          </a:p>
+          <a:p>
+            <a:r>
+              <a:rPr lang="en-US" dirty="0"/>
+              <a:t>How would you say what the output(s) is/are?</a:t>
+            </a:r>
+          </a:p>
+          <a:p>
+            <a:r>
+              <a:rPr lang="en-US" dirty="0"/>
               <a:t>Other thoughts?</a:t>
             </a:r>
           </a:p>
@@ -3618,6 +4294,382 @@
   <p:clrMapOvr>
     <a:masterClrMapping/>
   </p:clrMapOvr>
+  <p:timing>
+    <p:tnLst>
+      <p:par>
+        <p:cTn id="1" dur="indefinite" restart="never" nodeType="tmRoot">
+          <p:childTnLst>
+            <p:seq concurrent="1" nextAc="seek">
+              <p:cTn id="2" dur="indefinite" nodeType="mainSeq">
+                <p:childTnLst>
+                  <p:par>
+                    <p:cTn id="3" fill="hold">
+                      <p:stCondLst>
+                        <p:cond delay="indefinite"/>
+                      </p:stCondLst>
+                      <p:childTnLst>
+                        <p:par>
+                          <p:cTn id="4" fill="hold">
+                            <p:stCondLst>
+                              <p:cond delay="0"/>
+                            </p:stCondLst>
+                            <p:childTnLst>
+                              <p:par>
+                                <p:cTn id="5" presetID="1" presetClass="entr" presetSubtype="0" fill="hold" grpId="0" nodeType="clickEffect">
+                                  <p:stCondLst>
+                                    <p:cond delay="0"/>
+                                  </p:stCondLst>
+                                  <p:childTnLst>
+                                    <p:set>
+                                      <p:cBhvr>
+                                        <p:cTn id="6" dur="1" fill="hold">
+                                          <p:stCondLst>
+                                            <p:cond delay="0"/>
+                                          </p:stCondLst>
+                                        </p:cTn>
+                                        <p:tgtEl>
+                                          <p:spTgt spid="3">
+                                            <p:txEl>
+                                              <p:pRg st="0" end="0"/>
+                                            </p:txEl>
+                                          </p:spTgt>
+                                        </p:tgtEl>
+                                        <p:attrNameLst>
+                                          <p:attrName>style.visibility</p:attrName>
+                                        </p:attrNameLst>
+                                      </p:cBhvr>
+                                      <p:to>
+                                        <p:strVal val="visible"/>
+                                      </p:to>
+                                    </p:set>
+                                  </p:childTnLst>
+                                </p:cTn>
+                              </p:par>
+                            </p:childTnLst>
+                          </p:cTn>
+                        </p:par>
+                      </p:childTnLst>
+                    </p:cTn>
+                  </p:par>
+                  <p:par>
+                    <p:cTn id="7" fill="hold">
+                      <p:stCondLst>
+                        <p:cond delay="indefinite"/>
+                      </p:stCondLst>
+                      <p:childTnLst>
+                        <p:par>
+                          <p:cTn id="8" fill="hold">
+                            <p:stCondLst>
+                              <p:cond delay="0"/>
+                            </p:stCondLst>
+                            <p:childTnLst>
+                              <p:par>
+                                <p:cTn id="9" presetID="1" presetClass="entr" presetSubtype="0" fill="hold" grpId="0" nodeType="clickEffect">
+                                  <p:stCondLst>
+                                    <p:cond delay="0"/>
+                                  </p:stCondLst>
+                                  <p:childTnLst>
+                                    <p:set>
+                                      <p:cBhvr>
+                                        <p:cTn id="10" dur="1" fill="hold">
+                                          <p:stCondLst>
+                                            <p:cond delay="0"/>
+                                          </p:stCondLst>
+                                        </p:cTn>
+                                        <p:tgtEl>
+                                          <p:spTgt spid="3">
+                                            <p:txEl>
+                                              <p:pRg st="1" end="1"/>
+                                            </p:txEl>
+                                          </p:spTgt>
+                                        </p:tgtEl>
+                                        <p:attrNameLst>
+                                          <p:attrName>style.visibility</p:attrName>
+                                        </p:attrNameLst>
+                                      </p:cBhvr>
+                                      <p:to>
+                                        <p:strVal val="visible"/>
+                                      </p:to>
+                                    </p:set>
+                                  </p:childTnLst>
+                                </p:cTn>
+                              </p:par>
+                            </p:childTnLst>
+                          </p:cTn>
+                        </p:par>
+                      </p:childTnLst>
+                    </p:cTn>
+                  </p:par>
+                  <p:par>
+                    <p:cTn id="11" fill="hold">
+                      <p:stCondLst>
+                        <p:cond delay="indefinite"/>
+                      </p:stCondLst>
+                      <p:childTnLst>
+                        <p:par>
+                          <p:cTn id="12" fill="hold">
+                            <p:stCondLst>
+                              <p:cond delay="0"/>
+                            </p:stCondLst>
+                            <p:childTnLst>
+                              <p:par>
+                                <p:cTn id="13" presetID="1" presetClass="entr" presetSubtype="0" fill="hold" grpId="0" nodeType="clickEffect">
+                                  <p:stCondLst>
+                                    <p:cond delay="0"/>
+                                  </p:stCondLst>
+                                  <p:childTnLst>
+                                    <p:set>
+                                      <p:cBhvr>
+                                        <p:cTn id="14" dur="1" fill="hold">
+                                          <p:stCondLst>
+                                            <p:cond delay="0"/>
+                                          </p:stCondLst>
+                                        </p:cTn>
+                                        <p:tgtEl>
+                                          <p:spTgt spid="3">
+                                            <p:txEl>
+                                              <p:pRg st="2" end="2"/>
+                                            </p:txEl>
+                                          </p:spTgt>
+                                        </p:tgtEl>
+                                        <p:attrNameLst>
+                                          <p:attrName>style.visibility</p:attrName>
+                                        </p:attrNameLst>
+                                      </p:cBhvr>
+                                      <p:to>
+                                        <p:strVal val="visible"/>
+                                      </p:to>
+                                    </p:set>
+                                  </p:childTnLst>
+                                </p:cTn>
+                              </p:par>
+                            </p:childTnLst>
+                          </p:cTn>
+                        </p:par>
+                      </p:childTnLst>
+                    </p:cTn>
+                  </p:par>
+                  <p:par>
+                    <p:cTn id="15" fill="hold">
+                      <p:stCondLst>
+                        <p:cond delay="indefinite"/>
+                      </p:stCondLst>
+                      <p:childTnLst>
+                        <p:par>
+                          <p:cTn id="16" fill="hold">
+                            <p:stCondLst>
+                              <p:cond delay="0"/>
+                            </p:stCondLst>
+                            <p:childTnLst>
+                              <p:par>
+                                <p:cTn id="17" presetID="1" presetClass="entr" presetSubtype="0" fill="hold" grpId="0" nodeType="clickEffect">
+                                  <p:stCondLst>
+                                    <p:cond delay="0"/>
+                                  </p:stCondLst>
+                                  <p:childTnLst>
+                                    <p:set>
+                                      <p:cBhvr>
+                                        <p:cTn id="18" dur="1" fill="hold">
+                                          <p:stCondLst>
+                                            <p:cond delay="0"/>
+                                          </p:stCondLst>
+                                        </p:cTn>
+                                        <p:tgtEl>
+                                          <p:spTgt spid="3">
+                                            <p:txEl>
+                                              <p:pRg st="3" end="3"/>
+                                            </p:txEl>
+                                          </p:spTgt>
+                                        </p:tgtEl>
+                                        <p:attrNameLst>
+                                          <p:attrName>style.visibility</p:attrName>
+                                        </p:attrNameLst>
+                                      </p:cBhvr>
+                                      <p:to>
+                                        <p:strVal val="visible"/>
+                                      </p:to>
+                                    </p:set>
+                                  </p:childTnLst>
+                                </p:cTn>
+                              </p:par>
+                            </p:childTnLst>
+                          </p:cTn>
+                        </p:par>
+                      </p:childTnLst>
+                    </p:cTn>
+                  </p:par>
+                  <p:par>
+                    <p:cTn id="19" fill="hold">
+                      <p:stCondLst>
+                        <p:cond delay="indefinite"/>
+                      </p:stCondLst>
+                      <p:childTnLst>
+                        <p:par>
+                          <p:cTn id="20" fill="hold">
+                            <p:stCondLst>
+                              <p:cond delay="0"/>
+                            </p:stCondLst>
+                            <p:childTnLst>
+                              <p:par>
+                                <p:cTn id="21" presetID="1" presetClass="entr" presetSubtype="0" fill="hold" grpId="0" nodeType="clickEffect">
+                                  <p:stCondLst>
+                                    <p:cond delay="0"/>
+                                  </p:stCondLst>
+                                  <p:childTnLst>
+                                    <p:set>
+                                      <p:cBhvr>
+                                        <p:cTn id="22" dur="1" fill="hold">
+                                          <p:stCondLst>
+                                            <p:cond delay="0"/>
+                                          </p:stCondLst>
+                                        </p:cTn>
+                                        <p:tgtEl>
+                                          <p:spTgt spid="3">
+                                            <p:txEl>
+                                              <p:pRg st="4" end="4"/>
+                                            </p:txEl>
+                                          </p:spTgt>
+                                        </p:tgtEl>
+                                        <p:attrNameLst>
+                                          <p:attrName>style.visibility</p:attrName>
+                                        </p:attrNameLst>
+                                      </p:cBhvr>
+                                      <p:to>
+                                        <p:strVal val="visible"/>
+                                      </p:to>
+                                    </p:set>
+                                  </p:childTnLst>
+                                </p:cTn>
+                              </p:par>
+                            </p:childTnLst>
+                          </p:cTn>
+                        </p:par>
+                      </p:childTnLst>
+                    </p:cTn>
+                  </p:par>
+                  <p:par>
+                    <p:cTn id="23" fill="hold">
+                      <p:stCondLst>
+                        <p:cond delay="indefinite"/>
+                      </p:stCondLst>
+                      <p:childTnLst>
+                        <p:par>
+                          <p:cTn id="24" fill="hold">
+                            <p:stCondLst>
+                              <p:cond delay="0"/>
+                            </p:stCondLst>
+                            <p:childTnLst>
+                              <p:par>
+                                <p:cTn id="25" presetID="1" presetClass="entr" presetSubtype="0" fill="hold" grpId="0" nodeType="clickEffect">
+                                  <p:stCondLst>
+                                    <p:cond delay="0"/>
+                                  </p:stCondLst>
+                                  <p:childTnLst>
+                                    <p:set>
+                                      <p:cBhvr>
+                                        <p:cTn id="26" dur="1" fill="hold">
+                                          <p:stCondLst>
+                                            <p:cond delay="0"/>
+                                          </p:stCondLst>
+                                        </p:cTn>
+                                        <p:tgtEl>
+                                          <p:spTgt spid="3">
+                                            <p:txEl>
+                                              <p:pRg st="5" end="5"/>
+                                            </p:txEl>
+                                          </p:spTgt>
+                                        </p:tgtEl>
+                                        <p:attrNameLst>
+                                          <p:attrName>style.visibility</p:attrName>
+                                        </p:attrNameLst>
+                                      </p:cBhvr>
+                                      <p:to>
+                                        <p:strVal val="visible"/>
+                                      </p:to>
+                                    </p:set>
+                                  </p:childTnLst>
+                                </p:cTn>
+                              </p:par>
+                            </p:childTnLst>
+                          </p:cTn>
+                        </p:par>
+                      </p:childTnLst>
+                    </p:cTn>
+                  </p:par>
+                  <p:par>
+                    <p:cTn id="27" fill="hold">
+                      <p:stCondLst>
+                        <p:cond delay="indefinite"/>
+                      </p:stCondLst>
+                      <p:childTnLst>
+                        <p:par>
+                          <p:cTn id="28" fill="hold">
+                            <p:stCondLst>
+                              <p:cond delay="0"/>
+                            </p:stCondLst>
+                            <p:childTnLst>
+                              <p:par>
+                                <p:cTn id="29" presetID="1" presetClass="entr" presetSubtype="0" fill="hold" grpId="0" nodeType="clickEffect">
+                                  <p:stCondLst>
+                                    <p:cond delay="0"/>
+                                  </p:stCondLst>
+                                  <p:childTnLst>
+                                    <p:set>
+                                      <p:cBhvr>
+                                        <p:cTn id="30" dur="1" fill="hold">
+                                          <p:stCondLst>
+                                            <p:cond delay="0"/>
+                                          </p:stCondLst>
+                                        </p:cTn>
+                                        <p:tgtEl>
+                                          <p:spTgt spid="3">
+                                            <p:txEl>
+                                              <p:pRg st="6" end="6"/>
+                                            </p:txEl>
+                                          </p:spTgt>
+                                        </p:tgtEl>
+                                        <p:attrNameLst>
+                                          <p:attrName>style.visibility</p:attrName>
+                                        </p:attrNameLst>
+                                      </p:cBhvr>
+                                      <p:to>
+                                        <p:strVal val="visible"/>
+                                      </p:to>
+                                    </p:set>
+                                  </p:childTnLst>
+                                </p:cTn>
+                              </p:par>
+                            </p:childTnLst>
+                          </p:cTn>
+                        </p:par>
+                      </p:childTnLst>
+                    </p:cTn>
+                  </p:par>
+                </p:childTnLst>
+              </p:cTn>
+              <p:prevCondLst>
+                <p:cond evt="onPrev" delay="0">
+                  <p:tgtEl>
+                    <p:sldTgt/>
+                  </p:tgtEl>
+                </p:cond>
+              </p:prevCondLst>
+              <p:nextCondLst>
+                <p:cond evt="onNext" delay="0">
+                  <p:tgtEl>
+                    <p:sldTgt/>
+                  </p:tgtEl>
+                </p:cond>
+              </p:nextCondLst>
+            </p:seq>
+          </p:childTnLst>
+        </p:cTn>
+      </p:par>
+    </p:tnLst>
+    <p:bldLst>
+      <p:bldP spid="3" grpId="0" build="p"/>
+    </p:bldLst>
+  </p:timing>
 </p:sld>
 </file>
 
@@ -3822,8 +4874,8 @@
           <a:lstStyle/>
           <a:p>
             <a:r>
-              <a:rPr lang="en-US"/>
-              <a:t>Python version</a:t>
+              <a:rPr lang="en-US" dirty="0"/>
+              <a:t>Exercise: Python version</a:t>
             </a:r>
           </a:p>
         </p:txBody>
@@ -3851,7 +4903,7 @@
           <a:p>
             <a:r>
               <a:rPr lang="en-US" dirty="0"/>
-              <a:t>fdtd1d.py is the same as the C code</a:t>
+              <a:t>fdtd1d.py is the same ideas as the C code, just translated into Python</a:t>
             </a:r>
           </a:p>
           <a:p>
@@ -4047,10 +5099,464 @@
   <p:clrMapOvr>
     <a:masterClrMapping/>
   </p:clrMapOvr>
+  <p:timing>
+    <p:tnLst>
+      <p:par>
+        <p:cTn id="1" dur="indefinite" restart="never" nodeType="tmRoot">
+          <p:childTnLst>
+            <p:seq concurrent="1" nextAc="seek">
+              <p:cTn id="2" dur="indefinite" nodeType="mainSeq">
+                <p:childTnLst>
+                  <p:par>
+                    <p:cTn id="3" fill="hold">
+                      <p:stCondLst>
+                        <p:cond delay="indefinite"/>
+                      </p:stCondLst>
+                      <p:childTnLst>
+                        <p:par>
+                          <p:cTn id="4" fill="hold">
+                            <p:stCondLst>
+                              <p:cond delay="0"/>
+                            </p:stCondLst>
+                            <p:childTnLst>
+                              <p:par>
+                                <p:cTn id="5" presetID="1" presetClass="entr" presetSubtype="0" fill="hold" grpId="0" nodeType="clickEffect">
+                                  <p:stCondLst>
+                                    <p:cond delay="0"/>
+                                  </p:stCondLst>
+                                  <p:childTnLst>
+                                    <p:set>
+                                      <p:cBhvr>
+                                        <p:cTn id="6" dur="1" fill="hold">
+                                          <p:stCondLst>
+                                            <p:cond delay="0"/>
+                                          </p:stCondLst>
+                                        </p:cTn>
+                                        <p:tgtEl>
+                                          <p:spTgt spid="3">
+                                            <p:txEl>
+                                              <p:pRg st="0" end="0"/>
+                                            </p:txEl>
+                                          </p:spTgt>
+                                        </p:tgtEl>
+                                        <p:attrNameLst>
+                                          <p:attrName>style.visibility</p:attrName>
+                                        </p:attrNameLst>
+                                      </p:cBhvr>
+                                      <p:to>
+                                        <p:strVal val="visible"/>
+                                      </p:to>
+                                    </p:set>
+                                  </p:childTnLst>
+                                </p:cTn>
+                              </p:par>
+                            </p:childTnLst>
+                          </p:cTn>
+                        </p:par>
+                      </p:childTnLst>
+                    </p:cTn>
+                  </p:par>
+                  <p:par>
+                    <p:cTn id="7" fill="hold">
+                      <p:stCondLst>
+                        <p:cond delay="indefinite"/>
+                      </p:stCondLst>
+                      <p:childTnLst>
+                        <p:par>
+                          <p:cTn id="8" fill="hold">
+                            <p:stCondLst>
+                              <p:cond delay="0"/>
+                            </p:stCondLst>
+                            <p:childTnLst>
+                              <p:par>
+                                <p:cTn id="9" presetID="1" presetClass="entr" presetSubtype="0" fill="hold" grpId="0" nodeType="clickEffect">
+                                  <p:stCondLst>
+                                    <p:cond delay="0"/>
+                                  </p:stCondLst>
+                                  <p:childTnLst>
+                                    <p:set>
+                                      <p:cBhvr>
+                                        <p:cTn id="10" dur="1" fill="hold">
+                                          <p:stCondLst>
+                                            <p:cond delay="0"/>
+                                          </p:stCondLst>
+                                        </p:cTn>
+                                        <p:tgtEl>
+                                          <p:spTgt spid="3">
+                                            <p:txEl>
+                                              <p:pRg st="1" end="1"/>
+                                            </p:txEl>
+                                          </p:spTgt>
+                                        </p:tgtEl>
+                                        <p:attrNameLst>
+                                          <p:attrName>style.visibility</p:attrName>
+                                        </p:attrNameLst>
+                                      </p:cBhvr>
+                                      <p:to>
+                                        <p:strVal val="visible"/>
+                                      </p:to>
+                                    </p:set>
+                                  </p:childTnLst>
+                                </p:cTn>
+                              </p:par>
+                            </p:childTnLst>
+                          </p:cTn>
+                        </p:par>
+                      </p:childTnLst>
+                    </p:cTn>
+                  </p:par>
+                  <p:par>
+                    <p:cTn id="11" fill="hold">
+                      <p:stCondLst>
+                        <p:cond delay="indefinite"/>
+                      </p:stCondLst>
+                      <p:childTnLst>
+                        <p:par>
+                          <p:cTn id="12" fill="hold">
+                            <p:stCondLst>
+                              <p:cond delay="0"/>
+                            </p:stCondLst>
+                            <p:childTnLst>
+                              <p:par>
+                                <p:cTn id="13" presetID="1" presetClass="entr" presetSubtype="0" fill="hold" grpId="0" nodeType="clickEffect">
+                                  <p:stCondLst>
+                                    <p:cond delay="0"/>
+                                  </p:stCondLst>
+                                  <p:childTnLst>
+                                    <p:set>
+                                      <p:cBhvr>
+                                        <p:cTn id="14" dur="1" fill="hold">
+                                          <p:stCondLst>
+                                            <p:cond delay="0"/>
+                                          </p:stCondLst>
+                                        </p:cTn>
+                                        <p:tgtEl>
+                                          <p:spTgt spid="3">
+                                            <p:txEl>
+                                              <p:pRg st="2" end="2"/>
+                                            </p:txEl>
+                                          </p:spTgt>
+                                        </p:tgtEl>
+                                        <p:attrNameLst>
+                                          <p:attrName>style.visibility</p:attrName>
+                                        </p:attrNameLst>
+                                      </p:cBhvr>
+                                      <p:to>
+                                        <p:strVal val="visible"/>
+                                      </p:to>
+                                    </p:set>
+                                  </p:childTnLst>
+                                </p:cTn>
+                              </p:par>
+                            </p:childTnLst>
+                          </p:cTn>
+                        </p:par>
+                      </p:childTnLst>
+                    </p:cTn>
+                  </p:par>
+                  <p:par>
+                    <p:cTn id="15" fill="hold">
+                      <p:stCondLst>
+                        <p:cond delay="indefinite"/>
+                      </p:stCondLst>
+                      <p:childTnLst>
+                        <p:par>
+                          <p:cTn id="16" fill="hold">
+                            <p:stCondLst>
+                              <p:cond delay="0"/>
+                            </p:stCondLst>
+                            <p:childTnLst>
+                              <p:par>
+                                <p:cTn id="17" presetID="1" presetClass="entr" presetSubtype="0" fill="hold" grpId="0" nodeType="clickEffect">
+                                  <p:stCondLst>
+                                    <p:cond delay="0"/>
+                                  </p:stCondLst>
+                                  <p:childTnLst>
+                                    <p:set>
+                                      <p:cBhvr>
+                                        <p:cTn id="18" dur="1" fill="hold">
+                                          <p:stCondLst>
+                                            <p:cond delay="0"/>
+                                          </p:stCondLst>
+                                        </p:cTn>
+                                        <p:tgtEl>
+                                          <p:spTgt spid="3">
+                                            <p:txEl>
+                                              <p:pRg st="3" end="3"/>
+                                            </p:txEl>
+                                          </p:spTgt>
+                                        </p:tgtEl>
+                                        <p:attrNameLst>
+                                          <p:attrName>style.visibility</p:attrName>
+                                        </p:attrNameLst>
+                                      </p:cBhvr>
+                                      <p:to>
+                                        <p:strVal val="visible"/>
+                                      </p:to>
+                                    </p:set>
+                                  </p:childTnLst>
+                                </p:cTn>
+                              </p:par>
+                              <p:par>
+                                <p:cTn id="19" presetID="1" presetClass="entr" presetSubtype="0" fill="hold" grpId="0" nodeType="withEffect">
+                                  <p:stCondLst>
+                                    <p:cond delay="0"/>
+                                  </p:stCondLst>
+                                  <p:childTnLst>
+                                    <p:set>
+                                      <p:cBhvr>
+                                        <p:cTn id="20" dur="1" fill="hold">
+                                          <p:stCondLst>
+                                            <p:cond delay="0"/>
+                                          </p:stCondLst>
+                                        </p:cTn>
+                                        <p:tgtEl>
+                                          <p:spTgt spid="3">
+                                            <p:txEl>
+                                              <p:pRg st="4" end="4"/>
+                                            </p:txEl>
+                                          </p:spTgt>
+                                        </p:tgtEl>
+                                        <p:attrNameLst>
+                                          <p:attrName>style.visibility</p:attrName>
+                                        </p:attrNameLst>
+                                      </p:cBhvr>
+                                      <p:to>
+                                        <p:strVal val="visible"/>
+                                      </p:to>
+                                    </p:set>
+                                  </p:childTnLst>
+                                </p:cTn>
+                              </p:par>
+                            </p:childTnLst>
+                          </p:cTn>
+                        </p:par>
+                      </p:childTnLst>
+                    </p:cTn>
+                  </p:par>
+                  <p:par>
+                    <p:cTn id="21" fill="hold">
+                      <p:stCondLst>
+                        <p:cond delay="indefinite"/>
+                      </p:stCondLst>
+                      <p:childTnLst>
+                        <p:par>
+                          <p:cTn id="22" fill="hold">
+                            <p:stCondLst>
+                              <p:cond delay="0"/>
+                            </p:stCondLst>
+                            <p:childTnLst>
+                              <p:par>
+                                <p:cTn id="23" presetID="1" presetClass="entr" presetSubtype="0" fill="hold" grpId="0" nodeType="clickEffect">
+                                  <p:stCondLst>
+                                    <p:cond delay="0"/>
+                                  </p:stCondLst>
+                                  <p:childTnLst>
+                                    <p:set>
+                                      <p:cBhvr>
+                                        <p:cTn id="24" dur="1" fill="hold">
+                                          <p:stCondLst>
+                                            <p:cond delay="0"/>
+                                          </p:stCondLst>
+                                        </p:cTn>
+                                        <p:tgtEl>
+                                          <p:spTgt spid="3">
+                                            <p:txEl>
+                                              <p:pRg st="5" end="5"/>
+                                            </p:txEl>
+                                          </p:spTgt>
+                                        </p:tgtEl>
+                                        <p:attrNameLst>
+                                          <p:attrName>style.visibility</p:attrName>
+                                        </p:attrNameLst>
+                                      </p:cBhvr>
+                                      <p:to>
+                                        <p:strVal val="visible"/>
+                                      </p:to>
+                                    </p:set>
+                                  </p:childTnLst>
+                                </p:cTn>
+                              </p:par>
+                              <p:par>
+                                <p:cTn id="25" presetID="1" presetClass="entr" presetSubtype="0" fill="hold" grpId="0" nodeType="withEffect">
+                                  <p:stCondLst>
+                                    <p:cond delay="0"/>
+                                  </p:stCondLst>
+                                  <p:childTnLst>
+                                    <p:set>
+                                      <p:cBhvr>
+                                        <p:cTn id="26" dur="1" fill="hold">
+                                          <p:stCondLst>
+                                            <p:cond delay="0"/>
+                                          </p:stCondLst>
+                                        </p:cTn>
+                                        <p:tgtEl>
+                                          <p:spTgt spid="3">
+                                            <p:txEl>
+                                              <p:pRg st="6" end="6"/>
+                                            </p:txEl>
+                                          </p:spTgt>
+                                        </p:tgtEl>
+                                        <p:attrNameLst>
+                                          <p:attrName>style.visibility</p:attrName>
+                                        </p:attrNameLst>
+                                      </p:cBhvr>
+                                      <p:to>
+                                        <p:strVal val="visible"/>
+                                      </p:to>
+                                    </p:set>
+                                  </p:childTnLst>
+                                </p:cTn>
+                              </p:par>
+                            </p:childTnLst>
+                          </p:cTn>
+                        </p:par>
+                      </p:childTnLst>
+                    </p:cTn>
+                  </p:par>
+                </p:childTnLst>
+              </p:cTn>
+              <p:prevCondLst>
+                <p:cond evt="onPrev" delay="0">
+                  <p:tgtEl>
+                    <p:sldTgt/>
+                  </p:tgtEl>
+                </p:cond>
+              </p:prevCondLst>
+              <p:nextCondLst>
+                <p:cond evt="onNext" delay="0">
+                  <p:tgtEl>
+                    <p:sldTgt/>
+                  </p:tgtEl>
+                </p:cond>
+              </p:nextCondLst>
+            </p:seq>
+          </p:childTnLst>
+        </p:cTn>
+      </p:par>
+    </p:tnLst>
+    <p:bldLst>
+      <p:bldP spid="3" grpId="0" uiExpand="1" build="p"/>
+    </p:bldLst>
+  </p:timing>
 </p:sld>
 </file>
 
 <file path=ppt/slides/slide22.xml><?xml version="1.0" encoding="utf-8"?>
+<p:sld xmlns:a="http://schemas.openxmlformats.org/drawingml/2006/main" xmlns:r="http://schemas.openxmlformats.org/officeDocument/2006/relationships" xmlns:p="http://schemas.openxmlformats.org/presentationml/2006/main">
+  <p:cSld>
+    <p:spTree>
+      <p:nvGrpSpPr>
+        <p:cNvPr id="1" name=""/>
+        <p:cNvGrpSpPr/>
+        <p:nvPr/>
+      </p:nvGrpSpPr>
+      <p:grpSpPr>
+        <a:xfrm>
+          <a:off x="0" y="0"/>
+          <a:ext cx="0" cy="0"/>
+          <a:chOff x="0" y="0"/>
+          <a:chExt cx="0" cy="0"/>
+        </a:xfrm>
+      </p:grpSpPr>
+      <p:sp>
+        <p:nvSpPr>
+          <p:cNvPr id="2" name="Title 1">
+            <a:extLst>
+              <a:ext uri="{FF2B5EF4-FFF2-40B4-BE49-F238E27FC236}">
+                <a16:creationId xmlns:a16="http://schemas.microsoft.com/office/drawing/2014/main" id="{ED8BE674-7D30-F142-92DA-81129D9DAB7F}"/>
+              </a:ext>
+            </a:extLst>
+          </p:cNvPr>
+          <p:cNvSpPr>
+            <a:spLocks noGrp="1"/>
+          </p:cNvSpPr>
+          <p:nvPr>
+            <p:ph type="title"/>
+          </p:nvPr>
+        </p:nvSpPr>
+        <p:spPr/>
+        <p:txBody>
+          <a:bodyPr>
+            <a:normAutofit/>
+          </a:bodyPr>
+          <a:lstStyle/>
+          <a:p>
+            <a:r>
+              <a:rPr lang="en-US" dirty="0"/>
+              <a:t>Exercise: </a:t>
+            </a:r>
+            <a:r>
+              <a:rPr lang="en-US" dirty="0" err="1"/>
+              <a:t>Jupyter</a:t>
+            </a:r>
+            <a:r>
+              <a:rPr lang="en-US" dirty="0"/>
+              <a:t> notebook version</a:t>
+            </a:r>
+          </a:p>
+        </p:txBody>
+      </p:sp>
+      <p:sp>
+        <p:nvSpPr>
+          <p:cNvPr id="3" name="Content Placeholder 2">
+            <a:extLst>
+              <a:ext uri="{FF2B5EF4-FFF2-40B4-BE49-F238E27FC236}">
+                <a16:creationId xmlns:a16="http://schemas.microsoft.com/office/drawing/2014/main" id="{7D7076E4-8B8C-574B-A17E-0D1D4D3C378E}"/>
+              </a:ext>
+            </a:extLst>
+          </p:cNvPr>
+          <p:cNvSpPr>
+            <a:spLocks noGrp="1"/>
+          </p:cNvSpPr>
+          <p:nvPr>
+            <p:ph idx="10"/>
+          </p:nvPr>
+        </p:nvSpPr>
+        <p:spPr/>
+        <p:txBody>
+          <a:bodyPr/>
+          <a:lstStyle/>
+          <a:p>
+            <a:r>
+              <a:rPr lang="en-US" dirty="0"/>
+              <a:t>Step through it</a:t>
+            </a:r>
+          </a:p>
+          <a:p>
+            <a:r>
+              <a:rPr lang="en-US" dirty="0"/>
+              <a:t>What’s better or worse than the C version?</a:t>
+            </a:r>
+          </a:p>
+          <a:p>
+            <a:r>
+              <a:rPr lang="en-US" dirty="0"/>
+              <a:t>What’s better or worse than the Python version?</a:t>
+            </a:r>
+          </a:p>
+          <a:p>
+            <a:pPr marL="0" indent="0">
+              <a:buNone/>
+            </a:pPr>
+            <a:endParaRPr lang="en-US" dirty="0"/>
+          </a:p>
+        </p:txBody>
+      </p:sp>
+    </p:spTree>
+    <p:extLst>
+      <p:ext uri="{BB962C8B-B14F-4D97-AF65-F5344CB8AC3E}">
+        <p14:creationId xmlns:p14="http://schemas.microsoft.com/office/powerpoint/2010/main" val="1056899316"/>
+      </p:ext>
+    </p:extLst>
+  </p:cSld>
+  <p:clrMapOvr>
+    <a:masterClrMapping/>
+  </p:clrMapOvr>
+</p:sld>
+</file>
+
+<file path=ppt/slides/slide23.xml><?xml version="1.0" encoding="utf-8"?>
 <p:sld xmlns:a="http://schemas.openxmlformats.org/drawingml/2006/main" xmlns:r="http://schemas.openxmlformats.org/officeDocument/2006/relationships" xmlns:p="http://schemas.openxmlformats.org/presentationml/2006/main">
   <p:cSld>
     <p:spTree>
@@ -4090,7 +5596,7 @@
           <a:p>
             <a:r>
               <a:rPr lang="en-US" dirty="0"/>
-              <a:t>planning</a:t>
+              <a:t>Reproducibility failures</a:t>
             </a:r>
           </a:p>
         </p:txBody>
@@ -4111,202 +5617,62 @@
             <p:ph idx="10"/>
           </p:nvPr>
         </p:nvSpPr>
-        <p:spPr/>
+        <p:spPr>
+          <a:xfrm>
+            <a:off x="803695" y="1035170"/>
+            <a:ext cx="10584610" cy="5213229"/>
+          </a:xfrm>
+        </p:spPr>
         <p:txBody>
           <a:bodyPr>
-            <a:normAutofit fontScale="32500" lnSpcReduction="20000"/>
+            <a:normAutofit/>
           </a:bodyPr>
           <a:lstStyle/>
           <a:p>
             <a:r>
-              <a:rPr lang="en-US" dirty="0"/>
-              <a:t>Notes: 1-D wave equation</a:t>
-            </a:r>
-          </a:p>
-          <a:p>
-            <a:pPr lvl="1"/>
-            <a:r>
-              <a:rPr lang="en-US" dirty="0"/>
-              <a:t>Code in python</a:t>
-            </a:r>
-          </a:p>
-          <a:p>
-            <a:pPr lvl="1"/>
-            <a:r>
-              <a:rPr lang="en-US" dirty="0"/>
-              <a:t>Define problem (inputs, outputs)</a:t>
-            </a:r>
-          </a:p>
-          <a:p>
-            <a:r>
-              <a:rPr lang="en-US" dirty="0"/>
-              <a:t>Use </a:t>
-            </a:r>
-            <a:r>
               <a:rPr lang="en-US" dirty="0" err="1"/>
               <a:t>Jupyter</a:t>
             </a:r>
             <a:r>
               <a:rPr lang="en-US" dirty="0"/>
-              <a:t> notebook on workbench.</a:t>
-            </a:r>
-          </a:p>
-          <a:p>
-            <a:r>
-              <a:rPr lang="en-US" dirty="0"/>
-              <a:t>Talk - Highlight Importance of </a:t>
-            </a:r>
-            <a:r>
-              <a:rPr lang="en-US" dirty="0" err="1"/>
-              <a:t>scriptability</a:t>
-            </a:r>
-            <a:r>
-              <a:rPr lang="en-US" dirty="0"/>
-              <a:t> </a:t>
-            </a:r>
-          </a:p>
-          <a:p>
-            <a:r>
-              <a:rPr lang="en-US" dirty="0"/>
-              <a:t>Talk - Compare GUI and script. </a:t>
-            </a:r>
-          </a:p>
-          <a:p>
-            <a:r>
-              <a:rPr lang="en-US" dirty="0"/>
-              <a:t>Code in C</a:t>
-            </a:r>
-          </a:p>
-          <a:p>
-            <a:pPr lvl="1"/>
-            <a:r>
-              <a:rPr lang="en-US" dirty="0"/>
-              <a:t>compile, no -</a:t>
-            </a:r>
-            <a:r>
-              <a:rPr lang="en-US" dirty="0" err="1"/>
-              <a:t>lm</a:t>
+              <a:t> notebook seems pretty good</a:t>
+            </a:r>
+          </a:p>
+          <a:p>
+            <a:r>
+              <a:rPr lang="en-US" dirty="0"/>
+              <a:t>What can fail?</a:t>
+            </a:r>
+          </a:p>
+          <a:p>
+            <a:r>
+              <a:rPr lang="en-US" dirty="0"/>
+              <a:t>Code versions</a:t>
+            </a:r>
+          </a:p>
+          <a:p>
+            <a:r>
+              <a:rPr lang="en-US" dirty="0"/>
+              <a:t>Software collapse - </a:t>
+            </a:r>
+            <a:r>
+              <a:rPr lang="en-US" dirty="0">
+                <a:hlinkClick r:id="rId2"/>
+              </a:rPr>
+              <a:t>http://blog.khinsen.net/posts/2017/01/13/sustainable-software-and-reproducible-research-dealing-with-software-collapse/</a:t>
             </a:r>
             <a:endParaRPr lang="en-US" dirty="0"/>
           </a:p>
           <a:p>
-            <a:pPr lvl="1"/>
-            <a:r>
-              <a:rPr lang="en-US" dirty="0"/>
-              <a:t>run</a:t>
-            </a:r>
-          </a:p>
-          <a:p>
-            <a:pPr lvl="1"/>
-            <a:r>
-              <a:rPr lang="en-US" dirty="0"/>
-              <a:t>run &gt; </a:t>
-            </a:r>
-            <a:r>
-              <a:rPr lang="en-US" dirty="0" err="1"/>
-              <a:t>data.txt</a:t>
-            </a:r>
-            <a:endParaRPr lang="en-US" dirty="0"/>
-          </a:p>
-          <a:p>
-            <a:pPr lvl="1"/>
-            <a:r>
-              <a:rPr lang="en-US" dirty="0"/>
-              <a:t>use excel to chart</a:t>
-            </a:r>
-          </a:p>
-          <a:p>
-            <a:pPr lvl="1"/>
-            <a:r>
-              <a:rPr lang="en-US" dirty="0"/>
-              <a:t>add slab</a:t>
-            </a:r>
-          </a:p>
-          <a:p>
-            <a:pPr lvl="1"/>
-            <a:r>
-              <a:rPr lang="en-US" dirty="0"/>
-              <a:t>compile</a:t>
-            </a:r>
-          </a:p>
-          <a:p>
-            <a:pPr lvl="1"/>
-            <a:r>
-              <a:rPr lang="en-US" dirty="0"/>
-              <a:t>run &gt; data2.txt</a:t>
-            </a:r>
-          </a:p>
-          <a:p>
-            <a:pPr lvl="1"/>
-            <a:r>
-              <a:rPr lang="en-US" dirty="0"/>
-              <a:t>use excel - paste to first sheet, chart</a:t>
-            </a:r>
-          </a:p>
-          <a:p>
-            <a:r>
-              <a:rPr lang="en-US" dirty="0"/>
-              <a:t>Talk: Explain difficulties in how to compile and how to run</a:t>
-            </a:r>
-          </a:p>
-          <a:p>
-            <a:pPr lvl="1"/>
-            <a:r>
-              <a:rPr lang="en-US" dirty="0"/>
-              <a:t>Compile and code in notebook</a:t>
-            </a:r>
-          </a:p>
-          <a:p>
-            <a:r>
-              <a:rPr lang="en-US" dirty="0"/>
-              <a:t>Write output.</a:t>
-            </a:r>
-          </a:p>
-          <a:p>
-            <a:r>
-              <a:rPr lang="en-US" dirty="0"/>
-              <a:t>Read input and plot </a:t>
-            </a:r>
-          </a:p>
-          <a:p>
-            <a:r>
-              <a:rPr lang="en-US" dirty="0"/>
-              <a:t>Could also suggest they download code and compile and run themselves </a:t>
-            </a:r>
-          </a:p>
-          <a:p>
-            <a:r>
-              <a:rPr lang="en-US" dirty="0"/>
-              <a:t>also talk about what can fail</a:t>
-            </a:r>
-          </a:p>
-          <a:p>
-            <a:r>
-              <a:rPr lang="en-US" dirty="0"/>
-              <a:t>time basis – code versions</a:t>
-            </a:r>
-          </a:p>
-          <a:p>
-            <a:r>
-              <a:rPr lang="en-US" dirty="0"/>
-              <a:t>software collapse</a:t>
-            </a:r>
-          </a:p>
-          <a:p>
-            <a:r>
-              <a:rPr lang="en-US" dirty="0"/>
-              <a:t>Containers – storage &amp; reuse </a:t>
-            </a:r>
-            <a:r>
-              <a:rPr lang="en-US"/>
-              <a:t>vs understanding</a:t>
-            </a:r>
-            <a:endParaRPr lang="en-US" dirty="0"/>
-          </a:p>
-          <a:p>
-            <a:r>
-              <a:rPr lang="en-US" dirty="0"/>
-              <a:t>VMs</a:t>
+            <a:r>
+              <a:rPr lang="en-US" dirty="0"/>
+              <a:t>Containers – storage &amp; reuse vs understanding</a:t>
+            </a:r>
+          </a:p>
+          <a:p>
+            <a:r>
+              <a:rPr lang="en-US" dirty="0"/>
+              <a:t>What else can fail?</a:t>
             </a:r>
           </a:p>
         </p:txBody>
@@ -4321,10 +5687,337 @@
   <p:clrMapOvr>
     <a:masterClrMapping/>
   </p:clrMapOvr>
+  <p:timing>
+    <p:tnLst>
+      <p:par>
+        <p:cTn id="1" dur="indefinite" restart="never" nodeType="tmRoot">
+          <p:childTnLst>
+            <p:seq concurrent="1" nextAc="seek">
+              <p:cTn id="2" dur="indefinite" nodeType="mainSeq">
+                <p:childTnLst>
+                  <p:par>
+                    <p:cTn id="3" fill="hold">
+                      <p:stCondLst>
+                        <p:cond delay="indefinite"/>
+                      </p:stCondLst>
+                      <p:childTnLst>
+                        <p:par>
+                          <p:cTn id="4" fill="hold">
+                            <p:stCondLst>
+                              <p:cond delay="0"/>
+                            </p:stCondLst>
+                            <p:childTnLst>
+                              <p:par>
+                                <p:cTn id="5" presetID="1" presetClass="entr" presetSubtype="0" fill="hold" grpId="0" nodeType="clickEffect">
+                                  <p:stCondLst>
+                                    <p:cond delay="0"/>
+                                  </p:stCondLst>
+                                  <p:childTnLst>
+                                    <p:set>
+                                      <p:cBhvr>
+                                        <p:cTn id="6" dur="1" fill="hold">
+                                          <p:stCondLst>
+                                            <p:cond delay="0"/>
+                                          </p:stCondLst>
+                                        </p:cTn>
+                                        <p:tgtEl>
+                                          <p:spTgt spid="3">
+                                            <p:txEl>
+                                              <p:pRg st="0" end="0"/>
+                                            </p:txEl>
+                                          </p:spTgt>
+                                        </p:tgtEl>
+                                        <p:attrNameLst>
+                                          <p:attrName>style.visibility</p:attrName>
+                                        </p:attrNameLst>
+                                      </p:cBhvr>
+                                      <p:to>
+                                        <p:strVal val="visible"/>
+                                      </p:to>
+                                    </p:set>
+                                  </p:childTnLst>
+                                </p:cTn>
+                              </p:par>
+                            </p:childTnLst>
+                          </p:cTn>
+                        </p:par>
+                      </p:childTnLst>
+                    </p:cTn>
+                  </p:par>
+                  <p:par>
+                    <p:cTn id="7" fill="hold">
+                      <p:stCondLst>
+                        <p:cond delay="indefinite"/>
+                      </p:stCondLst>
+                      <p:childTnLst>
+                        <p:par>
+                          <p:cTn id="8" fill="hold">
+                            <p:stCondLst>
+                              <p:cond delay="0"/>
+                            </p:stCondLst>
+                            <p:childTnLst>
+                              <p:par>
+                                <p:cTn id="9" presetID="1" presetClass="entr" presetSubtype="0" fill="hold" grpId="0" nodeType="clickEffect">
+                                  <p:stCondLst>
+                                    <p:cond delay="0"/>
+                                  </p:stCondLst>
+                                  <p:childTnLst>
+                                    <p:set>
+                                      <p:cBhvr>
+                                        <p:cTn id="10" dur="1" fill="hold">
+                                          <p:stCondLst>
+                                            <p:cond delay="0"/>
+                                          </p:stCondLst>
+                                        </p:cTn>
+                                        <p:tgtEl>
+                                          <p:spTgt spid="3">
+                                            <p:txEl>
+                                              <p:pRg st="1" end="1"/>
+                                            </p:txEl>
+                                          </p:spTgt>
+                                        </p:tgtEl>
+                                        <p:attrNameLst>
+                                          <p:attrName>style.visibility</p:attrName>
+                                        </p:attrNameLst>
+                                      </p:cBhvr>
+                                      <p:to>
+                                        <p:strVal val="visible"/>
+                                      </p:to>
+                                    </p:set>
+                                  </p:childTnLst>
+                                </p:cTn>
+                              </p:par>
+                            </p:childTnLst>
+                          </p:cTn>
+                        </p:par>
+                      </p:childTnLst>
+                    </p:cTn>
+                  </p:par>
+                  <p:par>
+                    <p:cTn id="11" fill="hold">
+                      <p:stCondLst>
+                        <p:cond delay="indefinite"/>
+                      </p:stCondLst>
+                      <p:childTnLst>
+                        <p:par>
+                          <p:cTn id="12" fill="hold">
+                            <p:stCondLst>
+                              <p:cond delay="0"/>
+                            </p:stCondLst>
+                            <p:childTnLst>
+                              <p:par>
+                                <p:cTn id="13" presetID="1" presetClass="entr" presetSubtype="0" fill="hold" grpId="0" nodeType="clickEffect">
+                                  <p:stCondLst>
+                                    <p:cond delay="0"/>
+                                  </p:stCondLst>
+                                  <p:childTnLst>
+                                    <p:set>
+                                      <p:cBhvr>
+                                        <p:cTn id="14" dur="1" fill="hold">
+                                          <p:stCondLst>
+                                            <p:cond delay="0"/>
+                                          </p:stCondLst>
+                                        </p:cTn>
+                                        <p:tgtEl>
+                                          <p:spTgt spid="3">
+                                            <p:txEl>
+                                              <p:pRg st="2" end="2"/>
+                                            </p:txEl>
+                                          </p:spTgt>
+                                        </p:tgtEl>
+                                        <p:attrNameLst>
+                                          <p:attrName>style.visibility</p:attrName>
+                                        </p:attrNameLst>
+                                      </p:cBhvr>
+                                      <p:to>
+                                        <p:strVal val="visible"/>
+                                      </p:to>
+                                    </p:set>
+                                  </p:childTnLst>
+                                </p:cTn>
+                              </p:par>
+                            </p:childTnLst>
+                          </p:cTn>
+                        </p:par>
+                      </p:childTnLst>
+                    </p:cTn>
+                  </p:par>
+                  <p:par>
+                    <p:cTn id="15" fill="hold">
+                      <p:stCondLst>
+                        <p:cond delay="indefinite"/>
+                      </p:stCondLst>
+                      <p:childTnLst>
+                        <p:par>
+                          <p:cTn id="16" fill="hold">
+                            <p:stCondLst>
+                              <p:cond delay="0"/>
+                            </p:stCondLst>
+                            <p:childTnLst>
+                              <p:par>
+                                <p:cTn id="17" presetID="1" presetClass="entr" presetSubtype="0" fill="hold" grpId="0" nodeType="clickEffect">
+                                  <p:stCondLst>
+                                    <p:cond delay="0"/>
+                                  </p:stCondLst>
+                                  <p:childTnLst>
+                                    <p:set>
+                                      <p:cBhvr>
+                                        <p:cTn id="18" dur="1" fill="hold">
+                                          <p:stCondLst>
+                                            <p:cond delay="0"/>
+                                          </p:stCondLst>
+                                        </p:cTn>
+                                        <p:tgtEl>
+                                          <p:spTgt spid="3">
+                                            <p:txEl>
+                                              <p:pRg st="3" end="3"/>
+                                            </p:txEl>
+                                          </p:spTgt>
+                                        </p:tgtEl>
+                                        <p:attrNameLst>
+                                          <p:attrName>style.visibility</p:attrName>
+                                        </p:attrNameLst>
+                                      </p:cBhvr>
+                                      <p:to>
+                                        <p:strVal val="visible"/>
+                                      </p:to>
+                                    </p:set>
+                                  </p:childTnLst>
+                                </p:cTn>
+                              </p:par>
+                            </p:childTnLst>
+                          </p:cTn>
+                        </p:par>
+                      </p:childTnLst>
+                    </p:cTn>
+                  </p:par>
+                  <p:par>
+                    <p:cTn id="19" fill="hold">
+                      <p:stCondLst>
+                        <p:cond delay="indefinite"/>
+                      </p:stCondLst>
+                      <p:childTnLst>
+                        <p:par>
+                          <p:cTn id="20" fill="hold">
+                            <p:stCondLst>
+                              <p:cond delay="0"/>
+                            </p:stCondLst>
+                            <p:childTnLst>
+                              <p:par>
+                                <p:cTn id="21" presetID="1" presetClass="entr" presetSubtype="0" fill="hold" grpId="0" nodeType="clickEffect">
+                                  <p:stCondLst>
+                                    <p:cond delay="0"/>
+                                  </p:stCondLst>
+                                  <p:childTnLst>
+                                    <p:set>
+                                      <p:cBhvr>
+                                        <p:cTn id="22" dur="1" fill="hold">
+                                          <p:stCondLst>
+                                            <p:cond delay="0"/>
+                                          </p:stCondLst>
+                                        </p:cTn>
+                                        <p:tgtEl>
+                                          <p:spTgt spid="3">
+                                            <p:txEl>
+                                              <p:pRg st="4" end="4"/>
+                                            </p:txEl>
+                                          </p:spTgt>
+                                        </p:tgtEl>
+                                        <p:attrNameLst>
+                                          <p:attrName>style.visibility</p:attrName>
+                                        </p:attrNameLst>
+                                      </p:cBhvr>
+                                      <p:to>
+                                        <p:strVal val="visible"/>
+                                      </p:to>
+                                    </p:set>
+                                  </p:childTnLst>
+                                </p:cTn>
+                              </p:par>
+                            </p:childTnLst>
+                          </p:cTn>
+                        </p:par>
+                      </p:childTnLst>
+                    </p:cTn>
+                  </p:par>
+                  <p:par>
+                    <p:cTn id="23" fill="hold">
+                      <p:stCondLst>
+                        <p:cond delay="indefinite"/>
+                      </p:stCondLst>
+                      <p:childTnLst>
+                        <p:par>
+                          <p:cTn id="24" fill="hold">
+                            <p:stCondLst>
+                              <p:cond delay="0"/>
+                            </p:stCondLst>
+                            <p:childTnLst>
+                              <p:par>
+                                <p:cTn id="25" presetID="1" presetClass="entr" presetSubtype="0" fill="hold" grpId="0" nodeType="clickEffect">
+                                  <p:stCondLst>
+                                    <p:cond delay="0"/>
+                                  </p:stCondLst>
+                                  <p:childTnLst>
+                                    <p:set>
+                                      <p:cBhvr>
+                                        <p:cTn id="26" dur="1" fill="hold">
+                                          <p:stCondLst>
+                                            <p:cond delay="0"/>
+                                          </p:stCondLst>
+                                        </p:cTn>
+                                        <p:tgtEl>
+                                          <p:spTgt spid="3">
+                                            <p:txEl>
+                                              <p:pRg st="5" end="5"/>
+                                            </p:txEl>
+                                          </p:spTgt>
+                                        </p:tgtEl>
+                                        <p:attrNameLst>
+                                          <p:attrName>style.visibility</p:attrName>
+                                        </p:attrNameLst>
+                                      </p:cBhvr>
+                                      <p:to>
+                                        <p:strVal val="visible"/>
+                                      </p:to>
+                                    </p:set>
+                                  </p:childTnLst>
+                                </p:cTn>
+                              </p:par>
+                            </p:childTnLst>
+                          </p:cTn>
+                        </p:par>
+                      </p:childTnLst>
+                    </p:cTn>
+                  </p:par>
+                </p:childTnLst>
+              </p:cTn>
+              <p:prevCondLst>
+                <p:cond evt="onPrev" delay="0">
+                  <p:tgtEl>
+                    <p:sldTgt/>
+                  </p:tgtEl>
+                </p:cond>
+              </p:prevCondLst>
+              <p:nextCondLst>
+                <p:cond evt="onNext" delay="0">
+                  <p:tgtEl>
+                    <p:sldTgt/>
+                  </p:tgtEl>
+                </p:cond>
+              </p:nextCondLst>
+            </p:seq>
+          </p:childTnLst>
+        </p:cTn>
+      </p:par>
+    </p:tnLst>
+    <p:bldLst>
+      <p:bldP spid="3" grpId="0" build="p"/>
+    </p:bldLst>
+  </p:timing>
 </p:sld>
 </file>
 
-<file path=ppt/slides/slide23.xml><?xml version="1.0" encoding="utf-8"?>
+<file path=ppt/slides/slide24.xml><?xml version="1.0" encoding="utf-8"?>
 <p:sld xmlns:a="http://schemas.openxmlformats.org/drawingml/2006/main" xmlns:r="http://schemas.openxmlformats.org/officeDocument/2006/relationships" xmlns:p="http://schemas.openxmlformats.org/presentationml/2006/main">
   <p:cSld>
     <p:spTree>
@@ -4541,6 +6234,480 @@
   <p:clrMapOvr>
     <a:masterClrMapping/>
   </p:clrMapOvr>
+  <p:timing>
+    <p:tnLst>
+      <p:par>
+        <p:cTn id="1" dur="indefinite" restart="never" nodeType="tmRoot">
+          <p:childTnLst>
+            <p:seq concurrent="1" nextAc="seek">
+              <p:cTn id="2" dur="indefinite" nodeType="mainSeq">
+                <p:childTnLst>
+                  <p:par>
+                    <p:cTn id="3" fill="hold">
+                      <p:stCondLst>
+                        <p:cond delay="indefinite"/>
+                      </p:stCondLst>
+                      <p:childTnLst>
+                        <p:par>
+                          <p:cTn id="4" fill="hold">
+                            <p:stCondLst>
+                              <p:cond delay="0"/>
+                            </p:stCondLst>
+                            <p:childTnLst>
+                              <p:par>
+                                <p:cTn id="5" presetID="1" presetClass="entr" presetSubtype="0" fill="hold" grpId="0" nodeType="clickEffect">
+                                  <p:stCondLst>
+                                    <p:cond delay="0"/>
+                                  </p:stCondLst>
+                                  <p:childTnLst>
+                                    <p:set>
+                                      <p:cBhvr>
+                                        <p:cTn id="6" dur="1" fill="hold">
+                                          <p:stCondLst>
+                                            <p:cond delay="0"/>
+                                          </p:stCondLst>
+                                        </p:cTn>
+                                        <p:tgtEl>
+                                          <p:spTgt spid="3">
+                                            <p:txEl>
+                                              <p:pRg st="0" end="0"/>
+                                            </p:txEl>
+                                          </p:spTgt>
+                                        </p:tgtEl>
+                                        <p:attrNameLst>
+                                          <p:attrName>style.visibility</p:attrName>
+                                        </p:attrNameLst>
+                                      </p:cBhvr>
+                                      <p:to>
+                                        <p:strVal val="visible"/>
+                                      </p:to>
+                                    </p:set>
+                                  </p:childTnLst>
+                                </p:cTn>
+                              </p:par>
+                            </p:childTnLst>
+                          </p:cTn>
+                        </p:par>
+                      </p:childTnLst>
+                    </p:cTn>
+                  </p:par>
+                  <p:par>
+                    <p:cTn id="7" fill="hold">
+                      <p:stCondLst>
+                        <p:cond delay="indefinite"/>
+                      </p:stCondLst>
+                      <p:childTnLst>
+                        <p:par>
+                          <p:cTn id="8" fill="hold">
+                            <p:stCondLst>
+                              <p:cond delay="0"/>
+                            </p:stCondLst>
+                            <p:childTnLst>
+                              <p:par>
+                                <p:cTn id="9" presetID="1" presetClass="entr" presetSubtype="0" fill="hold" grpId="0" nodeType="clickEffect">
+                                  <p:stCondLst>
+                                    <p:cond delay="0"/>
+                                  </p:stCondLst>
+                                  <p:childTnLst>
+                                    <p:set>
+                                      <p:cBhvr>
+                                        <p:cTn id="10" dur="1" fill="hold">
+                                          <p:stCondLst>
+                                            <p:cond delay="0"/>
+                                          </p:stCondLst>
+                                        </p:cTn>
+                                        <p:tgtEl>
+                                          <p:spTgt spid="3">
+                                            <p:txEl>
+                                              <p:pRg st="1" end="1"/>
+                                            </p:txEl>
+                                          </p:spTgt>
+                                        </p:tgtEl>
+                                        <p:attrNameLst>
+                                          <p:attrName>style.visibility</p:attrName>
+                                        </p:attrNameLst>
+                                      </p:cBhvr>
+                                      <p:to>
+                                        <p:strVal val="visible"/>
+                                      </p:to>
+                                    </p:set>
+                                  </p:childTnLst>
+                                </p:cTn>
+                              </p:par>
+                            </p:childTnLst>
+                          </p:cTn>
+                        </p:par>
+                      </p:childTnLst>
+                    </p:cTn>
+                  </p:par>
+                  <p:par>
+                    <p:cTn id="11" fill="hold">
+                      <p:stCondLst>
+                        <p:cond delay="indefinite"/>
+                      </p:stCondLst>
+                      <p:childTnLst>
+                        <p:par>
+                          <p:cTn id="12" fill="hold">
+                            <p:stCondLst>
+                              <p:cond delay="0"/>
+                            </p:stCondLst>
+                            <p:childTnLst>
+                              <p:par>
+                                <p:cTn id="13" presetID="1" presetClass="entr" presetSubtype="0" fill="hold" grpId="0" nodeType="clickEffect">
+                                  <p:stCondLst>
+                                    <p:cond delay="0"/>
+                                  </p:stCondLst>
+                                  <p:childTnLst>
+                                    <p:set>
+                                      <p:cBhvr>
+                                        <p:cTn id="14" dur="1" fill="hold">
+                                          <p:stCondLst>
+                                            <p:cond delay="0"/>
+                                          </p:stCondLst>
+                                        </p:cTn>
+                                        <p:tgtEl>
+                                          <p:spTgt spid="3">
+                                            <p:txEl>
+                                              <p:pRg st="2" end="2"/>
+                                            </p:txEl>
+                                          </p:spTgt>
+                                        </p:tgtEl>
+                                        <p:attrNameLst>
+                                          <p:attrName>style.visibility</p:attrName>
+                                        </p:attrNameLst>
+                                      </p:cBhvr>
+                                      <p:to>
+                                        <p:strVal val="visible"/>
+                                      </p:to>
+                                    </p:set>
+                                  </p:childTnLst>
+                                </p:cTn>
+                              </p:par>
+                            </p:childTnLst>
+                          </p:cTn>
+                        </p:par>
+                      </p:childTnLst>
+                    </p:cTn>
+                  </p:par>
+                  <p:par>
+                    <p:cTn id="15" fill="hold">
+                      <p:stCondLst>
+                        <p:cond delay="indefinite"/>
+                      </p:stCondLst>
+                      <p:childTnLst>
+                        <p:par>
+                          <p:cTn id="16" fill="hold">
+                            <p:stCondLst>
+                              <p:cond delay="0"/>
+                            </p:stCondLst>
+                            <p:childTnLst>
+                              <p:par>
+                                <p:cTn id="17" presetID="1" presetClass="entr" presetSubtype="0" fill="hold" grpId="0" nodeType="clickEffect">
+                                  <p:stCondLst>
+                                    <p:cond delay="0"/>
+                                  </p:stCondLst>
+                                  <p:childTnLst>
+                                    <p:set>
+                                      <p:cBhvr>
+                                        <p:cTn id="18" dur="1" fill="hold">
+                                          <p:stCondLst>
+                                            <p:cond delay="0"/>
+                                          </p:stCondLst>
+                                        </p:cTn>
+                                        <p:tgtEl>
+                                          <p:spTgt spid="3">
+                                            <p:txEl>
+                                              <p:pRg st="3" end="3"/>
+                                            </p:txEl>
+                                          </p:spTgt>
+                                        </p:tgtEl>
+                                        <p:attrNameLst>
+                                          <p:attrName>style.visibility</p:attrName>
+                                        </p:attrNameLst>
+                                      </p:cBhvr>
+                                      <p:to>
+                                        <p:strVal val="visible"/>
+                                      </p:to>
+                                    </p:set>
+                                  </p:childTnLst>
+                                </p:cTn>
+                              </p:par>
+                            </p:childTnLst>
+                          </p:cTn>
+                        </p:par>
+                      </p:childTnLst>
+                    </p:cTn>
+                  </p:par>
+                  <p:par>
+                    <p:cTn id="19" fill="hold">
+                      <p:stCondLst>
+                        <p:cond delay="indefinite"/>
+                      </p:stCondLst>
+                      <p:childTnLst>
+                        <p:par>
+                          <p:cTn id="20" fill="hold">
+                            <p:stCondLst>
+                              <p:cond delay="0"/>
+                            </p:stCondLst>
+                            <p:childTnLst>
+                              <p:par>
+                                <p:cTn id="21" presetID="1" presetClass="entr" presetSubtype="0" fill="hold" grpId="0" nodeType="clickEffect">
+                                  <p:stCondLst>
+                                    <p:cond delay="0"/>
+                                  </p:stCondLst>
+                                  <p:childTnLst>
+                                    <p:set>
+                                      <p:cBhvr>
+                                        <p:cTn id="22" dur="1" fill="hold">
+                                          <p:stCondLst>
+                                            <p:cond delay="0"/>
+                                          </p:stCondLst>
+                                        </p:cTn>
+                                        <p:tgtEl>
+                                          <p:spTgt spid="3">
+                                            <p:txEl>
+                                              <p:pRg st="4" end="4"/>
+                                            </p:txEl>
+                                          </p:spTgt>
+                                        </p:tgtEl>
+                                        <p:attrNameLst>
+                                          <p:attrName>style.visibility</p:attrName>
+                                        </p:attrNameLst>
+                                      </p:cBhvr>
+                                      <p:to>
+                                        <p:strVal val="visible"/>
+                                      </p:to>
+                                    </p:set>
+                                  </p:childTnLst>
+                                </p:cTn>
+                              </p:par>
+                            </p:childTnLst>
+                          </p:cTn>
+                        </p:par>
+                      </p:childTnLst>
+                    </p:cTn>
+                  </p:par>
+                  <p:par>
+                    <p:cTn id="23" fill="hold">
+                      <p:stCondLst>
+                        <p:cond delay="indefinite"/>
+                      </p:stCondLst>
+                      <p:childTnLst>
+                        <p:par>
+                          <p:cTn id="24" fill="hold">
+                            <p:stCondLst>
+                              <p:cond delay="0"/>
+                            </p:stCondLst>
+                            <p:childTnLst>
+                              <p:par>
+                                <p:cTn id="25" presetID="1" presetClass="entr" presetSubtype="0" fill="hold" grpId="0" nodeType="clickEffect">
+                                  <p:stCondLst>
+                                    <p:cond delay="0"/>
+                                  </p:stCondLst>
+                                  <p:childTnLst>
+                                    <p:set>
+                                      <p:cBhvr>
+                                        <p:cTn id="26" dur="1" fill="hold">
+                                          <p:stCondLst>
+                                            <p:cond delay="0"/>
+                                          </p:stCondLst>
+                                        </p:cTn>
+                                        <p:tgtEl>
+                                          <p:spTgt spid="3">
+                                            <p:txEl>
+                                              <p:pRg st="5" end="5"/>
+                                            </p:txEl>
+                                          </p:spTgt>
+                                        </p:tgtEl>
+                                        <p:attrNameLst>
+                                          <p:attrName>style.visibility</p:attrName>
+                                        </p:attrNameLst>
+                                      </p:cBhvr>
+                                      <p:to>
+                                        <p:strVal val="visible"/>
+                                      </p:to>
+                                    </p:set>
+                                  </p:childTnLst>
+                                </p:cTn>
+                              </p:par>
+                            </p:childTnLst>
+                          </p:cTn>
+                        </p:par>
+                      </p:childTnLst>
+                    </p:cTn>
+                  </p:par>
+                  <p:par>
+                    <p:cTn id="27" fill="hold">
+                      <p:stCondLst>
+                        <p:cond delay="indefinite"/>
+                      </p:stCondLst>
+                      <p:childTnLst>
+                        <p:par>
+                          <p:cTn id="28" fill="hold">
+                            <p:stCondLst>
+                              <p:cond delay="0"/>
+                            </p:stCondLst>
+                            <p:childTnLst>
+                              <p:par>
+                                <p:cTn id="29" presetID="1" presetClass="entr" presetSubtype="0" fill="hold" grpId="0" nodeType="clickEffect">
+                                  <p:stCondLst>
+                                    <p:cond delay="0"/>
+                                  </p:stCondLst>
+                                  <p:childTnLst>
+                                    <p:set>
+                                      <p:cBhvr>
+                                        <p:cTn id="30" dur="1" fill="hold">
+                                          <p:stCondLst>
+                                            <p:cond delay="0"/>
+                                          </p:stCondLst>
+                                        </p:cTn>
+                                        <p:tgtEl>
+                                          <p:spTgt spid="3">
+                                            <p:txEl>
+                                              <p:pRg st="6" end="6"/>
+                                            </p:txEl>
+                                          </p:spTgt>
+                                        </p:tgtEl>
+                                        <p:attrNameLst>
+                                          <p:attrName>style.visibility</p:attrName>
+                                        </p:attrNameLst>
+                                      </p:cBhvr>
+                                      <p:to>
+                                        <p:strVal val="visible"/>
+                                      </p:to>
+                                    </p:set>
+                                  </p:childTnLst>
+                                </p:cTn>
+                              </p:par>
+                            </p:childTnLst>
+                          </p:cTn>
+                        </p:par>
+                      </p:childTnLst>
+                    </p:cTn>
+                  </p:par>
+                  <p:par>
+                    <p:cTn id="31" fill="hold">
+                      <p:stCondLst>
+                        <p:cond delay="indefinite"/>
+                      </p:stCondLst>
+                      <p:childTnLst>
+                        <p:par>
+                          <p:cTn id="32" fill="hold">
+                            <p:stCondLst>
+                              <p:cond delay="0"/>
+                            </p:stCondLst>
+                            <p:childTnLst>
+                              <p:par>
+                                <p:cTn id="33" presetID="1" presetClass="entr" presetSubtype="0" fill="hold" grpId="0" nodeType="clickEffect">
+                                  <p:stCondLst>
+                                    <p:cond delay="0"/>
+                                  </p:stCondLst>
+                                  <p:childTnLst>
+                                    <p:set>
+                                      <p:cBhvr>
+                                        <p:cTn id="34" dur="1" fill="hold">
+                                          <p:stCondLst>
+                                            <p:cond delay="0"/>
+                                          </p:stCondLst>
+                                        </p:cTn>
+                                        <p:tgtEl>
+                                          <p:spTgt spid="3">
+                                            <p:txEl>
+                                              <p:pRg st="7" end="7"/>
+                                            </p:txEl>
+                                          </p:spTgt>
+                                        </p:tgtEl>
+                                        <p:attrNameLst>
+                                          <p:attrName>style.visibility</p:attrName>
+                                        </p:attrNameLst>
+                                      </p:cBhvr>
+                                      <p:to>
+                                        <p:strVal val="visible"/>
+                                      </p:to>
+                                    </p:set>
+                                  </p:childTnLst>
+                                </p:cTn>
+                              </p:par>
+                            </p:childTnLst>
+                          </p:cTn>
+                        </p:par>
+                      </p:childTnLst>
+                    </p:cTn>
+                  </p:par>
+                  <p:par>
+                    <p:cTn id="35" fill="hold">
+                      <p:stCondLst>
+                        <p:cond delay="indefinite"/>
+                      </p:stCondLst>
+                      <p:childTnLst>
+                        <p:par>
+                          <p:cTn id="36" fill="hold">
+                            <p:stCondLst>
+                              <p:cond delay="0"/>
+                            </p:stCondLst>
+                            <p:childTnLst>
+                              <p:par>
+                                <p:cTn id="37" presetID="1" presetClass="entr" presetSubtype="0" fill="hold" grpId="0" nodeType="clickEffect">
+                                  <p:stCondLst>
+                                    <p:cond delay="0"/>
+                                  </p:stCondLst>
+                                  <p:childTnLst>
+                                    <p:set>
+                                      <p:cBhvr>
+                                        <p:cTn id="38" dur="1" fill="hold">
+                                          <p:stCondLst>
+                                            <p:cond delay="0"/>
+                                          </p:stCondLst>
+                                        </p:cTn>
+                                        <p:tgtEl>
+                                          <p:spTgt spid="3">
+                                            <p:txEl>
+                                              <p:pRg st="8" end="8"/>
+                                            </p:txEl>
+                                          </p:spTgt>
+                                        </p:tgtEl>
+                                        <p:attrNameLst>
+                                          <p:attrName>style.visibility</p:attrName>
+                                        </p:attrNameLst>
+                                      </p:cBhvr>
+                                      <p:to>
+                                        <p:strVal val="visible"/>
+                                      </p:to>
+                                    </p:set>
+                                  </p:childTnLst>
+                                </p:cTn>
+                              </p:par>
+                            </p:childTnLst>
+                          </p:cTn>
+                        </p:par>
+                      </p:childTnLst>
+                    </p:cTn>
+                  </p:par>
+                </p:childTnLst>
+              </p:cTn>
+              <p:prevCondLst>
+                <p:cond evt="onPrev" delay="0">
+                  <p:tgtEl>
+                    <p:sldTgt/>
+                  </p:tgtEl>
+                </p:cond>
+              </p:prevCondLst>
+              <p:nextCondLst>
+                <p:cond evt="onNext" delay="0">
+                  <p:tgtEl>
+                    <p:sldTgt/>
+                  </p:tgtEl>
+                </p:cond>
+              </p:nextCondLst>
+            </p:seq>
+          </p:childTnLst>
+        </p:cTn>
+      </p:par>
+    </p:tnLst>
+    <p:bldLst>
+      <p:bldP spid="3" grpId="0" uiExpand="1" build="p"/>
+    </p:bldLst>
+  </p:timing>
 </p:sld>
 </file>
 
@@ -4687,6 +6854,333 @@
   <p:clrMapOvr>
     <a:masterClrMapping/>
   </p:clrMapOvr>
+  <p:timing>
+    <p:tnLst>
+      <p:par>
+        <p:cTn id="1" dur="indefinite" restart="never" nodeType="tmRoot">
+          <p:childTnLst>
+            <p:seq concurrent="1" nextAc="seek">
+              <p:cTn id="2" dur="indefinite" nodeType="mainSeq">
+                <p:childTnLst>
+                  <p:par>
+                    <p:cTn id="3" fill="hold">
+                      <p:stCondLst>
+                        <p:cond delay="indefinite"/>
+                      </p:stCondLst>
+                      <p:childTnLst>
+                        <p:par>
+                          <p:cTn id="4" fill="hold">
+                            <p:stCondLst>
+                              <p:cond delay="0"/>
+                            </p:stCondLst>
+                            <p:childTnLst>
+                              <p:par>
+                                <p:cTn id="5" presetID="1" presetClass="entr" presetSubtype="0" fill="hold" grpId="0" nodeType="clickEffect">
+                                  <p:stCondLst>
+                                    <p:cond delay="0"/>
+                                  </p:stCondLst>
+                                  <p:childTnLst>
+                                    <p:set>
+                                      <p:cBhvr>
+                                        <p:cTn id="6" dur="1" fill="hold">
+                                          <p:stCondLst>
+                                            <p:cond delay="0"/>
+                                          </p:stCondLst>
+                                        </p:cTn>
+                                        <p:tgtEl>
+                                          <p:spTgt spid="3">
+                                            <p:txEl>
+                                              <p:pRg st="0" end="0"/>
+                                            </p:txEl>
+                                          </p:spTgt>
+                                        </p:tgtEl>
+                                        <p:attrNameLst>
+                                          <p:attrName>style.visibility</p:attrName>
+                                        </p:attrNameLst>
+                                      </p:cBhvr>
+                                      <p:to>
+                                        <p:strVal val="visible"/>
+                                      </p:to>
+                                    </p:set>
+                                  </p:childTnLst>
+                                </p:cTn>
+                              </p:par>
+                            </p:childTnLst>
+                          </p:cTn>
+                        </p:par>
+                      </p:childTnLst>
+                    </p:cTn>
+                  </p:par>
+                  <p:par>
+                    <p:cTn id="7" fill="hold">
+                      <p:stCondLst>
+                        <p:cond delay="indefinite"/>
+                      </p:stCondLst>
+                      <p:childTnLst>
+                        <p:par>
+                          <p:cTn id="8" fill="hold">
+                            <p:stCondLst>
+                              <p:cond delay="0"/>
+                            </p:stCondLst>
+                            <p:childTnLst>
+                              <p:par>
+                                <p:cTn id="9" presetID="1" presetClass="entr" presetSubtype="0" fill="hold" grpId="0" nodeType="clickEffect">
+                                  <p:stCondLst>
+                                    <p:cond delay="0"/>
+                                  </p:stCondLst>
+                                  <p:childTnLst>
+                                    <p:set>
+                                      <p:cBhvr>
+                                        <p:cTn id="10" dur="1" fill="hold">
+                                          <p:stCondLst>
+                                            <p:cond delay="0"/>
+                                          </p:stCondLst>
+                                        </p:cTn>
+                                        <p:tgtEl>
+                                          <p:spTgt spid="3">
+                                            <p:txEl>
+                                              <p:pRg st="1" end="1"/>
+                                            </p:txEl>
+                                          </p:spTgt>
+                                        </p:tgtEl>
+                                        <p:attrNameLst>
+                                          <p:attrName>style.visibility</p:attrName>
+                                        </p:attrNameLst>
+                                      </p:cBhvr>
+                                      <p:to>
+                                        <p:strVal val="visible"/>
+                                      </p:to>
+                                    </p:set>
+                                  </p:childTnLst>
+                                </p:cTn>
+                              </p:par>
+                            </p:childTnLst>
+                          </p:cTn>
+                        </p:par>
+                      </p:childTnLst>
+                    </p:cTn>
+                  </p:par>
+                  <p:par>
+                    <p:cTn id="11" fill="hold">
+                      <p:stCondLst>
+                        <p:cond delay="indefinite"/>
+                      </p:stCondLst>
+                      <p:childTnLst>
+                        <p:par>
+                          <p:cTn id="12" fill="hold">
+                            <p:stCondLst>
+                              <p:cond delay="0"/>
+                            </p:stCondLst>
+                            <p:childTnLst>
+                              <p:par>
+                                <p:cTn id="13" presetID="1" presetClass="entr" presetSubtype="0" fill="hold" grpId="0" nodeType="clickEffect">
+                                  <p:stCondLst>
+                                    <p:cond delay="0"/>
+                                  </p:stCondLst>
+                                  <p:childTnLst>
+                                    <p:set>
+                                      <p:cBhvr>
+                                        <p:cTn id="14" dur="1" fill="hold">
+                                          <p:stCondLst>
+                                            <p:cond delay="0"/>
+                                          </p:stCondLst>
+                                        </p:cTn>
+                                        <p:tgtEl>
+                                          <p:spTgt spid="3">
+                                            <p:txEl>
+                                              <p:pRg st="2" end="2"/>
+                                            </p:txEl>
+                                          </p:spTgt>
+                                        </p:tgtEl>
+                                        <p:attrNameLst>
+                                          <p:attrName>style.visibility</p:attrName>
+                                        </p:attrNameLst>
+                                      </p:cBhvr>
+                                      <p:to>
+                                        <p:strVal val="visible"/>
+                                      </p:to>
+                                    </p:set>
+                                  </p:childTnLst>
+                                </p:cTn>
+                              </p:par>
+                            </p:childTnLst>
+                          </p:cTn>
+                        </p:par>
+                      </p:childTnLst>
+                    </p:cTn>
+                  </p:par>
+                  <p:par>
+                    <p:cTn id="15" fill="hold">
+                      <p:stCondLst>
+                        <p:cond delay="indefinite"/>
+                      </p:stCondLst>
+                      <p:childTnLst>
+                        <p:par>
+                          <p:cTn id="16" fill="hold">
+                            <p:stCondLst>
+                              <p:cond delay="0"/>
+                            </p:stCondLst>
+                            <p:childTnLst>
+                              <p:par>
+                                <p:cTn id="17" presetID="1" presetClass="entr" presetSubtype="0" fill="hold" grpId="0" nodeType="clickEffect">
+                                  <p:stCondLst>
+                                    <p:cond delay="0"/>
+                                  </p:stCondLst>
+                                  <p:childTnLst>
+                                    <p:set>
+                                      <p:cBhvr>
+                                        <p:cTn id="18" dur="1" fill="hold">
+                                          <p:stCondLst>
+                                            <p:cond delay="0"/>
+                                          </p:stCondLst>
+                                        </p:cTn>
+                                        <p:tgtEl>
+                                          <p:spTgt spid="3">
+                                            <p:txEl>
+                                              <p:pRg st="3" end="3"/>
+                                            </p:txEl>
+                                          </p:spTgt>
+                                        </p:tgtEl>
+                                        <p:attrNameLst>
+                                          <p:attrName>style.visibility</p:attrName>
+                                        </p:attrNameLst>
+                                      </p:cBhvr>
+                                      <p:to>
+                                        <p:strVal val="visible"/>
+                                      </p:to>
+                                    </p:set>
+                                  </p:childTnLst>
+                                </p:cTn>
+                              </p:par>
+                            </p:childTnLst>
+                          </p:cTn>
+                        </p:par>
+                      </p:childTnLst>
+                    </p:cTn>
+                  </p:par>
+                  <p:par>
+                    <p:cTn id="19" fill="hold">
+                      <p:stCondLst>
+                        <p:cond delay="indefinite"/>
+                      </p:stCondLst>
+                      <p:childTnLst>
+                        <p:par>
+                          <p:cTn id="20" fill="hold">
+                            <p:stCondLst>
+                              <p:cond delay="0"/>
+                            </p:stCondLst>
+                            <p:childTnLst>
+                              <p:par>
+                                <p:cTn id="21" presetID="1" presetClass="entr" presetSubtype="0" fill="hold" grpId="0" nodeType="clickEffect">
+                                  <p:stCondLst>
+                                    <p:cond delay="0"/>
+                                  </p:stCondLst>
+                                  <p:childTnLst>
+                                    <p:set>
+                                      <p:cBhvr>
+                                        <p:cTn id="22" dur="1" fill="hold">
+                                          <p:stCondLst>
+                                            <p:cond delay="0"/>
+                                          </p:stCondLst>
+                                        </p:cTn>
+                                        <p:tgtEl>
+                                          <p:spTgt spid="3">
+                                            <p:txEl>
+                                              <p:pRg st="4" end="4"/>
+                                            </p:txEl>
+                                          </p:spTgt>
+                                        </p:tgtEl>
+                                        <p:attrNameLst>
+                                          <p:attrName>style.visibility</p:attrName>
+                                        </p:attrNameLst>
+                                      </p:cBhvr>
+                                      <p:to>
+                                        <p:strVal val="visible"/>
+                                      </p:to>
+                                    </p:set>
+                                  </p:childTnLst>
+                                </p:cTn>
+                              </p:par>
+                            </p:childTnLst>
+                          </p:cTn>
+                        </p:par>
+                      </p:childTnLst>
+                    </p:cTn>
+                  </p:par>
+                  <p:par>
+                    <p:cTn id="23" fill="hold">
+                      <p:stCondLst>
+                        <p:cond delay="indefinite"/>
+                      </p:stCondLst>
+                      <p:childTnLst>
+                        <p:par>
+                          <p:cTn id="24" fill="hold">
+                            <p:stCondLst>
+                              <p:cond delay="0"/>
+                            </p:stCondLst>
+                            <p:childTnLst>
+                              <p:par>
+                                <p:cTn id="25" presetID="1" presetClass="entr" presetSubtype="0" fill="hold" grpId="0" nodeType="clickEffect">
+                                  <p:stCondLst>
+                                    <p:cond delay="0"/>
+                                  </p:stCondLst>
+                                  <p:childTnLst>
+                                    <p:set>
+                                      <p:cBhvr>
+                                        <p:cTn id="26" dur="1" fill="hold">
+                                          <p:stCondLst>
+                                            <p:cond delay="0"/>
+                                          </p:stCondLst>
+                                        </p:cTn>
+                                        <p:tgtEl>
+                                          <p:spTgt spid="3">
+                                            <p:txEl>
+                                              <p:pRg st="5" end="5"/>
+                                            </p:txEl>
+                                          </p:spTgt>
+                                        </p:tgtEl>
+                                        <p:attrNameLst>
+                                          <p:attrName>style.visibility</p:attrName>
+                                        </p:attrNameLst>
+                                      </p:cBhvr>
+                                      <p:to>
+                                        <p:strVal val="visible"/>
+                                      </p:to>
+                                    </p:set>
+                                  </p:childTnLst>
+                                </p:cTn>
+                              </p:par>
+                            </p:childTnLst>
+                          </p:cTn>
+                        </p:par>
+                      </p:childTnLst>
+                    </p:cTn>
+                  </p:par>
+                </p:childTnLst>
+              </p:cTn>
+              <p:prevCondLst>
+                <p:cond evt="onPrev" delay="0">
+                  <p:tgtEl>
+                    <p:sldTgt/>
+                  </p:tgtEl>
+                </p:cond>
+              </p:prevCondLst>
+              <p:nextCondLst>
+                <p:cond evt="onNext" delay="0">
+                  <p:tgtEl>
+                    <p:sldTgt/>
+                  </p:tgtEl>
+                </p:cond>
+              </p:nextCondLst>
+            </p:seq>
+          </p:childTnLst>
+        </p:cTn>
+      </p:par>
+    </p:tnLst>
+    <p:bldLst>
+      <p:bldP spid="3" grpId="0" uiExpand="1" build="p"/>
+    </p:bldLst>
+  </p:timing>
 </p:sld>
 </file>
 
@@ -4857,7 +7351,12 @@
             <p:ph idx="10"/>
           </p:nvPr>
         </p:nvSpPr>
-        <p:spPr/>
+        <p:spPr>
+          <a:xfrm>
+            <a:off x="609600" y="1281885"/>
+            <a:ext cx="10803467" cy="4593982"/>
+          </a:xfrm>
+        </p:spPr>
         <p:txBody>
           <a:bodyPr>
             <a:normAutofit fontScale="62500" lnSpcReduction="20000"/>
@@ -4871,7 +7370,7 @@
             </a:pPr>
             <a:r>
               <a:rPr lang="en-US" dirty="0"/>
-              <a:t>from Ivo </a:t>
+              <a:t>From Ivo </a:t>
             </a:r>
             <a:r>
               <a:rPr lang="en-US" dirty="0" err="1"/>
@@ -4989,6 +7488,333 @@
   <p:clrMapOvr>
     <a:masterClrMapping/>
   </p:clrMapOvr>
+  <p:timing>
+    <p:tnLst>
+      <p:par>
+        <p:cTn id="1" dur="indefinite" restart="never" nodeType="tmRoot">
+          <p:childTnLst>
+            <p:seq concurrent="1" nextAc="seek">
+              <p:cTn id="2" dur="indefinite" nodeType="mainSeq">
+                <p:childTnLst>
+                  <p:par>
+                    <p:cTn id="3" fill="hold">
+                      <p:stCondLst>
+                        <p:cond delay="indefinite"/>
+                      </p:stCondLst>
+                      <p:childTnLst>
+                        <p:par>
+                          <p:cTn id="4" fill="hold">
+                            <p:stCondLst>
+                              <p:cond delay="0"/>
+                            </p:stCondLst>
+                            <p:childTnLst>
+                              <p:par>
+                                <p:cTn id="5" presetID="1" presetClass="entr" presetSubtype="0" fill="hold" grpId="0" nodeType="clickEffect">
+                                  <p:stCondLst>
+                                    <p:cond delay="0"/>
+                                  </p:stCondLst>
+                                  <p:childTnLst>
+                                    <p:set>
+                                      <p:cBhvr>
+                                        <p:cTn id="6" dur="1" fill="hold">
+                                          <p:stCondLst>
+                                            <p:cond delay="0"/>
+                                          </p:stCondLst>
+                                        </p:cTn>
+                                        <p:tgtEl>
+                                          <p:spTgt spid="3">
+                                            <p:txEl>
+                                              <p:pRg st="0" end="0"/>
+                                            </p:txEl>
+                                          </p:spTgt>
+                                        </p:tgtEl>
+                                        <p:attrNameLst>
+                                          <p:attrName>style.visibility</p:attrName>
+                                        </p:attrNameLst>
+                                      </p:cBhvr>
+                                      <p:to>
+                                        <p:strVal val="visible"/>
+                                      </p:to>
+                                    </p:set>
+                                  </p:childTnLst>
+                                </p:cTn>
+                              </p:par>
+                            </p:childTnLst>
+                          </p:cTn>
+                        </p:par>
+                      </p:childTnLst>
+                    </p:cTn>
+                  </p:par>
+                  <p:par>
+                    <p:cTn id="7" fill="hold">
+                      <p:stCondLst>
+                        <p:cond delay="indefinite"/>
+                      </p:stCondLst>
+                      <p:childTnLst>
+                        <p:par>
+                          <p:cTn id="8" fill="hold">
+                            <p:stCondLst>
+                              <p:cond delay="0"/>
+                            </p:stCondLst>
+                            <p:childTnLst>
+                              <p:par>
+                                <p:cTn id="9" presetID="1" presetClass="entr" presetSubtype="0" fill="hold" grpId="0" nodeType="clickEffect">
+                                  <p:stCondLst>
+                                    <p:cond delay="0"/>
+                                  </p:stCondLst>
+                                  <p:childTnLst>
+                                    <p:set>
+                                      <p:cBhvr>
+                                        <p:cTn id="10" dur="1" fill="hold">
+                                          <p:stCondLst>
+                                            <p:cond delay="0"/>
+                                          </p:stCondLst>
+                                        </p:cTn>
+                                        <p:tgtEl>
+                                          <p:spTgt spid="3">
+                                            <p:txEl>
+                                              <p:pRg st="1" end="1"/>
+                                            </p:txEl>
+                                          </p:spTgt>
+                                        </p:tgtEl>
+                                        <p:attrNameLst>
+                                          <p:attrName>style.visibility</p:attrName>
+                                        </p:attrNameLst>
+                                      </p:cBhvr>
+                                      <p:to>
+                                        <p:strVal val="visible"/>
+                                      </p:to>
+                                    </p:set>
+                                  </p:childTnLst>
+                                </p:cTn>
+                              </p:par>
+                            </p:childTnLst>
+                          </p:cTn>
+                        </p:par>
+                      </p:childTnLst>
+                    </p:cTn>
+                  </p:par>
+                  <p:par>
+                    <p:cTn id="11" fill="hold">
+                      <p:stCondLst>
+                        <p:cond delay="indefinite"/>
+                      </p:stCondLst>
+                      <p:childTnLst>
+                        <p:par>
+                          <p:cTn id="12" fill="hold">
+                            <p:stCondLst>
+                              <p:cond delay="0"/>
+                            </p:stCondLst>
+                            <p:childTnLst>
+                              <p:par>
+                                <p:cTn id="13" presetID="1" presetClass="entr" presetSubtype="0" fill="hold" grpId="0" nodeType="clickEffect">
+                                  <p:stCondLst>
+                                    <p:cond delay="0"/>
+                                  </p:stCondLst>
+                                  <p:childTnLst>
+                                    <p:set>
+                                      <p:cBhvr>
+                                        <p:cTn id="14" dur="1" fill="hold">
+                                          <p:stCondLst>
+                                            <p:cond delay="0"/>
+                                          </p:stCondLst>
+                                        </p:cTn>
+                                        <p:tgtEl>
+                                          <p:spTgt spid="3">
+                                            <p:txEl>
+                                              <p:pRg st="2" end="2"/>
+                                            </p:txEl>
+                                          </p:spTgt>
+                                        </p:tgtEl>
+                                        <p:attrNameLst>
+                                          <p:attrName>style.visibility</p:attrName>
+                                        </p:attrNameLst>
+                                      </p:cBhvr>
+                                      <p:to>
+                                        <p:strVal val="visible"/>
+                                      </p:to>
+                                    </p:set>
+                                  </p:childTnLst>
+                                </p:cTn>
+                              </p:par>
+                            </p:childTnLst>
+                          </p:cTn>
+                        </p:par>
+                      </p:childTnLst>
+                    </p:cTn>
+                  </p:par>
+                  <p:par>
+                    <p:cTn id="15" fill="hold">
+                      <p:stCondLst>
+                        <p:cond delay="indefinite"/>
+                      </p:stCondLst>
+                      <p:childTnLst>
+                        <p:par>
+                          <p:cTn id="16" fill="hold">
+                            <p:stCondLst>
+                              <p:cond delay="0"/>
+                            </p:stCondLst>
+                            <p:childTnLst>
+                              <p:par>
+                                <p:cTn id="17" presetID="1" presetClass="entr" presetSubtype="0" fill="hold" grpId="0" nodeType="clickEffect">
+                                  <p:stCondLst>
+                                    <p:cond delay="0"/>
+                                  </p:stCondLst>
+                                  <p:childTnLst>
+                                    <p:set>
+                                      <p:cBhvr>
+                                        <p:cTn id="18" dur="1" fill="hold">
+                                          <p:stCondLst>
+                                            <p:cond delay="0"/>
+                                          </p:stCondLst>
+                                        </p:cTn>
+                                        <p:tgtEl>
+                                          <p:spTgt spid="3">
+                                            <p:txEl>
+                                              <p:pRg st="3" end="3"/>
+                                            </p:txEl>
+                                          </p:spTgt>
+                                        </p:tgtEl>
+                                        <p:attrNameLst>
+                                          <p:attrName>style.visibility</p:attrName>
+                                        </p:attrNameLst>
+                                      </p:cBhvr>
+                                      <p:to>
+                                        <p:strVal val="visible"/>
+                                      </p:to>
+                                    </p:set>
+                                  </p:childTnLst>
+                                </p:cTn>
+                              </p:par>
+                            </p:childTnLst>
+                          </p:cTn>
+                        </p:par>
+                      </p:childTnLst>
+                    </p:cTn>
+                  </p:par>
+                  <p:par>
+                    <p:cTn id="19" fill="hold">
+                      <p:stCondLst>
+                        <p:cond delay="indefinite"/>
+                      </p:stCondLst>
+                      <p:childTnLst>
+                        <p:par>
+                          <p:cTn id="20" fill="hold">
+                            <p:stCondLst>
+                              <p:cond delay="0"/>
+                            </p:stCondLst>
+                            <p:childTnLst>
+                              <p:par>
+                                <p:cTn id="21" presetID="1" presetClass="entr" presetSubtype="0" fill="hold" grpId="0" nodeType="clickEffect">
+                                  <p:stCondLst>
+                                    <p:cond delay="0"/>
+                                  </p:stCondLst>
+                                  <p:childTnLst>
+                                    <p:set>
+                                      <p:cBhvr>
+                                        <p:cTn id="22" dur="1" fill="hold">
+                                          <p:stCondLst>
+                                            <p:cond delay="0"/>
+                                          </p:stCondLst>
+                                        </p:cTn>
+                                        <p:tgtEl>
+                                          <p:spTgt spid="3">
+                                            <p:txEl>
+                                              <p:pRg st="4" end="4"/>
+                                            </p:txEl>
+                                          </p:spTgt>
+                                        </p:tgtEl>
+                                        <p:attrNameLst>
+                                          <p:attrName>style.visibility</p:attrName>
+                                        </p:attrNameLst>
+                                      </p:cBhvr>
+                                      <p:to>
+                                        <p:strVal val="visible"/>
+                                      </p:to>
+                                    </p:set>
+                                  </p:childTnLst>
+                                </p:cTn>
+                              </p:par>
+                            </p:childTnLst>
+                          </p:cTn>
+                        </p:par>
+                      </p:childTnLst>
+                    </p:cTn>
+                  </p:par>
+                  <p:par>
+                    <p:cTn id="23" fill="hold">
+                      <p:stCondLst>
+                        <p:cond delay="indefinite"/>
+                      </p:stCondLst>
+                      <p:childTnLst>
+                        <p:par>
+                          <p:cTn id="24" fill="hold">
+                            <p:stCondLst>
+                              <p:cond delay="0"/>
+                            </p:stCondLst>
+                            <p:childTnLst>
+                              <p:par>
+                                <p:cTn id="25" presetID="1" presetClass="entr" presetSubtype="0" fill="hold" grpId="0" nodeType="clickEffect">
+                                  <p:stCondLst>
+                                    <p:cond delay="0"/>
+                                  </p:stCondLst>
+                                  <p:childTnLst>
+                                    <p:set>
+                                      <p:cBhvr>
+                                        <p:cTn id="26" dur="1" fill="hold">
+                                          <p:stCondLst>
+                                            <p:cond delay="0"/>
+                                          </p:stCondLst>
+                                        </p:cTn>
+                                        <p:tgtEl>
+                                          <p:spTgt spid="3">
+                                            <p:txEl>
+                                              <p:pRg st="5" end="5"/>
+                                            </p:txEl>
+                                          </p:spTgt>
+                                        </p:tgtEl>
+                                        <p:attrNameLst>
+                                          <p:attrName>style.visibility</p:attrName>
+                                        </p:attrNameLst>
+                                      </p:cBhvr>
+                                      <p:to>
+                                        <p:strVal val="visible"/>
+                                      </p:to>
+                                    </p:set>
+                                  </p:childTnLst>
+                                </p:cTn>
+                              </p:par>
+                            </p:childTnLst>
+                          </p:cTn>
+                        </p:par>
+                      </p:childTnLst>
+                    </p:cTn>
+                  </p:par>
+                </p:childTnLst>
+              </p:cTn>
+              <p:prevCondLst>
+                <p:cond evt="onPrev" delay="0">
+                  <p:tgtEl>
+                    <p:sldTgt/>
+                  </p:tgtEl>
+                </p:cond>
+              </p:prevCondLst>
+              <p:nextCondLst>
+                <p:cond evt="onNext" delay="0">
+                  <p:tgtEl>
+                    <p:sldTgt/>
+                  </p:tgtEl>
+                </p:cond>
+              </p:nextCondLst>
+            </p:seq>
+          </p:childTnLst>
+        </p:cTn>
+      </p:par>
+    </p:tnLst>
+    <p:bldLst>
+      <p:bldP spid="3" grpId="0" build="p"/>
+    </p:bldLst>
+  </p:timing>
 </p:sld>
 </file>
 
@@ -5055,7 +7881,12 @@
             <p:ph idx="10"/>
           </p:nvPr>
         </p:nvSpPr>
-        <p:spPr/>
+        <p:spPr>
+          <a:xfrm>
+            <a:off x="803695" y="1281885"/>
+            <a:ext cx="10584610" cy="4729448"/>
+          </a:xfrm>
+        </p:spPr>
         <p:txBody>
           <a:bodyPr>
             <a:normAutofit fontScale="55000" lnSpcReduction="20000"/>
@@ -5178,6 +8009,382 @@
   <p:clrMapOvr>
     <a:masterClrMapping/>
   </p:clrMapOvr>
+  <p:timing>
+    <p:tnLst>
+      <p:par>
+        <p:cTn id="1" dur="indefinite" restart="never" nodeType="tmRoot">
+          <p:childTnLst>
+            <p:seq concurrent="1" nextAc="seek">
+              <p:cTn id="2" dur="indefinite" nodeType="mainSeq">
+                <p:childTnLst>
+                  <p:par>
+                    <p:cTn id="3" fill="hold">
+                      <p:stCondLst>
+                        <p:cond delay="indefinite"/>
+                      </p:stCondLst>
+                      <p:childTnLst>
+                        <p:par>
+                          <p:cTn id="4" fill="hold">
+                            <p:stCondLst>
+                              <p:cond delay="0"/>
+                            </p:stCondLst>
+                            <p:childTnLst>
+                              <p:par>
+                                <p:cTn id="5" presetID="1" presetClass="entr" presetSubtype="0" fill="hold" grpId="0" nodeType="clickEffect">
+                                  <p:stCondLst>
+                                    <p:cond delay="0"/>
+                                  </p:stCondLst>
+                                  <p:childTnLst>
+                                    <p:set>
+                                      <p:cBhvr>
+                                        <p:cTn id="6" dur="1" fill="hold">
+                                          <p:stCondLst>
+                                            <p:cond delay="0"/>
+                                          </p:stCondLst>
+                                        </p:cTn>
+                                        <p:tgtEl>
+                                          <p:spTgt spid="3">
+                                            <p:txEl>
+                                              <p:pRg st="0" end="0"/>
+                                            </p:txEl>
+                                          </p:spTgt>
+                                        </p:tgtEl>
+                                        <p:attrNameLst>
+                                          <p:attrName>style.visibility</p:attrName>
+                                        </p:attrNameLst>
+                                      </p:cBhvr>
+                                      <p:to>
+                                        <p:strVal val="visible"/>
+                                      </p:to>
+                                    </p:set>
+                                  </p:childTnLst>
+                                </p:cTn>
+                              </p:par>
+                            </p:childTnLst>
+                          </p:cTn>
+                        </p:par>
+                      </p:childTnLst>
+                    </p:cTn>
+                  </p:par>
+                  <p:par>
+                    <p:cTn id="7" fill="hold">
+                      <p:stCondLst>
+                        <p:cond delay="indefinite"/>
+                      </p:stCondLst>
+                      <p:childTnLst>
+                        <p:par>
+                          <p:cTn id="8" fill="hold">
+                            <p:stCondLst>
+                              <p:cond delay="0"/>
+                            </p:stCondLst>
+                            <p:childTnLst>
+                              <p:par>
+                                <p:cTn id="9" presetID="1" presetClass="entr" presetSubtype="0" fill="hold" grpId="0" nodeType="clickEffect">
+                                  <p:stCondLst>
+                                    <p:cond delay="0"/>
+                                  </p:stCondLst>
+                                  <p:childTnLst>
+                                    <p:set>
+                                      <p:cBhvr>
+                                        <p:cTn id="10" dur="1" fill="hold">
+                                          <p:stCondLst>
+                                            <p:cond delay="0"/>
+                                          </p:stCondLst>
+                                        </p:cTn>
+                                        <p:tgtEl>
+                                          <p:spTgt spid="3">
+                                            <p:txEl>
+                                              <p:pRg st="1" end="1"/>
+                                            </p:txEl>
+                                          </p:spTgt>
+                                        </p:tgtEl>
+                                        <p:attrNameLst>
+                                          <p:attrName>style.visibility</p:attrName>
+                                        </p:attrNameLst>
+                                      </p:cBhvr>
+                                      <p:to>
+                                        <p:strVal val="visible"/>
+                                      </p:to>
+                                    </p:set>
+                                  </p:childTnLst>
+                                </p:cTn>
+                              </p:par>
+                            </p:childTnLst>
+                          </p:cTn>
+                        </p:par>
+                      </p:childTnLst>
+                    </p:cTn>
+                  </p:par>
+                  <p:par>
+                    <p:cTn id="11" fill="hold">
+                      <p:stCondLst>
+                        <p:cond delay="indefinite"/>
+                      </p:stCondLst>
+                      <p:childTnLst>
+                        <p:par>
+                          <p:cTn id="12" fill="hold">
+                            <p:stCondLst>
+                              <p:cond delay="0"/>
+                            </p:stCondLst>
+                            <p:childTnLst>
+                              <p:par>
+                                <p:cTn id="13" presetID="1" presetClass="entr" presetSubtype="0" fill="hold" grpId="0" nodeType="clickEffect">
+                                  <p:stCondLst>
+                                    <p:cond delay="0"/>
+                                  </p:stCondLst>
+                                  <p:childTnLst>
+                                    <p:set>
+                                      <p:cBhvr>
+                                        <p:cTn id="14" dur="1" fill="hold">
+                                          <p:stCondLst>
+                                            <p:cond delay="0"/>
+                                          </p:stCondLst>
+                                        </p:cTn>
+                                        <p:tgtEl>
+                                          <p:spTgt spid="3">
+                                            <p:txEl>
+                                              <p:pRg st="2" end="2"/>
+                                            </p:txEl>
+                                          </p:spTgt>
+                                        </p:tgtEl>
+                                        <p:attrNameLst>
+                                          <p:attrName>style.visibility</p:attrName>
+                                        </p:attrNameLst>
+                                      </p:cBhvr>
+                                      <p:to>
+                                        <p:strVal val="visible"/>
+                                      </p:to>
+                                    </p:set>
+                                  </p:childTnLst>
+                                </p:cTn>
+                              </p:par>
+                            </p:childTnLst>
+                          </p:cTn>
+                        </p:par>
+                      </p:childTnLst>
+                    </p:cTn>
+                  </p:par>
+                  <p:par>
+                    <p:cTn id="15" fill="hold">
+                      <p:stCondLst>
+                        <p:cond delay="indefinite"/>
+                      </p:stCondLst>
+                      <p:childTnLst>
+                        <p:par>
+                          <p:cTn id="16" fill="hold">
+                            <p:stCondLst>
+                              <p:cond delay="0"/>
+                            </p:stCondLst>
+                            <p:childTnLst>
+                              <p:par>
+                                <p:cTn id="17" presetID="1" presetClass="entr" presetSubtype="0" fill="hold" grpId="0" nodeType="clickEffect">
+                                  <p:stCondLst>
+                                    <p:cond delay="0"/>
+                                  </p:stCondLst>
+                                  <p:childTnLst>
+                                    <p:set>
+                                      <p:cBhvr>
+                                        <p:cTn id="18" dur="1" fill="hold">
+                                          <p:stCondLst>
+                                            <p:cond delay="0"/>
+                                          </p:stCondLst>
+                                        </p:cTn>
+                                        <p:tgtEl>
+                                          <p:spTgt spid="3">
+                                            <p:txEl>
+                                              <p:pRg st="3" end="3"/>
+                                            </p:txEl>
+                                          </p:spTgt>
+                                        </p:tgtEl>
+                                        <p:attrNameLst>
+                                          <p:attrName>style.visibility</p:attrName>
+                                        </p:attrNameLst>
+                                      </p:cBhvr>
+                                      <p:to>
+                                        <p:strVal val="visible"/>
+                                      </p:to>
+                                    </p:set>
+                                  </p:childTnLst>
+                                </p:cTn>
+                              </p:par>
+                            </p:childTnLst>
+                          </p:cTn>
+                        </p:par>
+                      </p:childTnLst>
+                    </p:cTn>
+                  </p:par>
+                  <p:par>
+                    <p:cTn id="19" fill="hold">
+                      <p:stCondLst>
+                        <p:cond delay="indefinite"/>
+                      </p:stCondLst>
+                      <p:childTnLst>
+                        <p:par>
+                          <p:cTn id="20" fill="hold">
+                            <p:stCondLst>
+                              <p:cond delay="0"/>
+                            </p:stCondLst>
+                            <p:childTnLst>
+                              <p:par>
+                                <p:cTn id="21" presetID="1" presetClass="entr" presetSubtype="0" fill="hold" grpId="0" nodeType="clickEffect">
+                                  <p:stCondLst>
+                                    <p:cond delay="0"/>
+                                  </p:stCondLst>
+                                  <p:childTnLst>
+                                    <p:set>
+                                      <p:cBhvr>
+                                        <p:cTn id="22" dur="1" fill="hold">
+                                          <p:stCondLst>
+                                            <p:cond delay="0"/>
+                                          </p:stCondLst>
+                                        </p:cTn>
+                                        <p:tgtEl>
+                                          <p:spTgt spid="3">
+                                            <p:txEl>
+                                              <p:pRg st="4" end="4"/>
+                                            </p:txEl>
+                                          </p:spTgt>
+                                        </p:tgtEl>
+                                        <p:attrNameLst>
+                                          <p:attrName>style.visibility</p:attrName>
+                                        </p:attrNameLst>
+                                      </p:cBhvr>
+                                      <p:to>
+                                        <p:strVal val="visible"/>
+                                      </p:to>
+                                    </p:set>
+                                  </p:childTnLst>
+                                </p:cTn>
+                              </p:par>
+                            </p:childTnLst>
+                          </p:cTn>
+                        </p:par>
+                      </p:childTnLst>
+                    </p:cTn>
+                  </p:par>
+                  <p:par>
+                    <p:cTn id="23" fill="hold">
+                      <p:stCondLst>
+                        <p:cond delay="indefinite"/>
+                      </p:stCondLst>
+                      <p:childTnLst>
+                        <p:par>
+                          <p:cTn id="24" fill="hold">
+                            <p:stCondLst>
+                              <p:cond delay="0"/>
+                            </p:stCondLst>
+                            <p:childTnLst>
+                              <p:par>
+                                <p:cTn id="25" presetID="1" presetClass="entr" presetSubtype="0" fill="hold" grpId="0" nodeType="clickEffect">
+                                  <p:stCondLst>
+                                    <p:cond delay="0"/>
+                                  </p:stCondLst>
+                                  <p:childTnLst>
+                                    <p:set>
+                                      <p:cBhvr>
+                                        <p:cTn id="26" dur="1" fill="hold">
+                                          <p:stCondLst>
+                                            <p:cond delay="0"/>
+                                          </p:stCondLst>
+                                        </p:cTn>
+                                        <p:tgtEl>
+                                          <p:spTgt spid="3">
+                                            <p:txEl>
+                                              <p:pRg st="5" end="5"/>
+                                            </p:txEl>
+                                          </p:spTgt>
+                                        </p:tgtEl>
+                                        <p:attrNameLst>
+                                          <p:attrName>style.visibility</p:attrName>
+                                        </p:attrNameLst>
+                                      </p:cBhvr>
+                                      <p:to>
+                                        <p:strVal val="visible"/>
+                                      </p:to>
+                                    </p:set>
+                                  </p:childTnLst>
+                                </p:cTn>
+                              </p:par>
+                            </p:childTnLst>
+                          </p:cTn>
+                        </p:par>
+                      </p:childTnLst>
+                    </p:cTn>
+                  </p:par>
+                  <p:par>
+                    <p:cTn id="27" fill="hold">
+                      <p:stCondLst>
+                        <p:cond delay="indefinite"/>
+                      </p:stCondLst>
+                      <p:childTnLst>
+                        <p:par>
+                          <p:cTn id="28" fill="hold">
+                            <p:stCondLst>
+                              <p:cond delay="0"/>
+                            </p:stCondLst>
+                            <p:childTnLst>
+                              <p:par>
+                                <p:cTn id="29" presetID="1" presetClass="entr" presetSubtype="0" fill="hold" grpId="0" nodeType="clickEffect">
+                                  <p:stCondLst>
+                                    <p:cond delay="0"/>
+                                  </p:stCondLst>
+                                  <p:childTnLst>
+                                    <p:set>
+                                      <p:cBhvr>
+                                        <p:cTn id="30" dur="1" fill="hold">
+                                          <p:stCondLst>
+                                            <p:cond delay="0"/>
+                                          </p:stCondLst>
+                                        </p:cTn>
+                                        <p:tgtEl>
+                                          <p:spTgt spid="3">
+                                            <p:txEl>
+                                              <p:pRg st="6" end="6"/>
+                                            </p:txEl>
+                                          </p:spTgt>
+                                        </p:tgtEl>
+                                        <p:attrNameLst>
+                                          <p:attrName>style.visibility</p:attrName>
+                                        </p:attrNameLst>
+                                      </p:cBhvr>
+                                      <p:to>
+                                        <p:strVal val="visible"/>
+                                      </p:to>
+                                    </p:set>
+                                  </p:childTnLst>
+                                </p:cTn>
+                              </p:par>
+                            </p:childTnLst>
+                          </p:cTn>
+                        </p:par>
+                      </p:childTnLst>
+                    </p:cTn>
+                  </p:par>
+                </p:childTnLst>
+              </p:cTn>
+              <p:prevCondLst>
+                <p:cond evt="onPrev" delay="0">
+                  <p:tgtEl>
+                    <p:sldTgt/>
+                  </p:tgtEl>
+                </p:cond>
+              </p:prevCondLst>
+              <p:nextCondLst>
+                <p:cond evt="onNext" delay="0">
+                  <p:tgtEl>
+                    <p:sldTgt/>
+                  </p:tgtEl>
+                </p:cond>
+              </p:nextCondLst>
+            </p:seq>
+          </p:childTnLst>
+        </p:cTn>
+      </p:par>
+    </p:tnLst>
+    <p:bldLst>
+      <p:bldP spid="3" grpId="0" build="p"/>
+    </p:bldLst>
+  </p:timing>
 </p:sld>
 </file>
 
@@ -5404,6 +8611,266 @@
   <p:clrMapOvr>
     <a:masterClrMapping/>
   </p:clrMapOvr>
+  <p:timing>
+    <p:tnLst>
+      <p:par>
+        <p:cTn id="1" dur="indefinite" restart="never" nodeType="tmRoot">
+          <p:childTnLst>
+            <p:seq concurrent="1" nextAc="seek">
+              <p:cTn id="2" dur="indefinite" nodeType="mainSeq">
+                <p:childTnLst>
+                  <p:par>
+                    <p:cTn id="3" fill="hold">
+                      <p:stCondLst>
+                        <p:cond delay="indefinite"/>
+                      </p:stCondLst>
+                      <p:childTnLst>
+                        <p:par>
+                          <p:cTn id="4" fill="hold">
+                            <p:stCondLst>
+                              <p:cond delay="0"/>
+                            </p:stCondLst>
+                            <p:childTnLst>
+                              <p:par>
+                                <p:cTn id="5" presetID="1" presetClass="entr" presetSubtype="0" fill="hold" grpId="0" nodeType="clickEffect">
+                                  <p:stCondLst>
+                                    <p:cond delay="0"/>
+                                  </p:stCondLst>
+                                  <p:childTnLst>
+                                    <p:set>
+                                      <p:cBhvr>
+                                        <p:cTn id="6" dur="1" fill="hold">
+                                          <p:stCondLst>
+                                            <p:cond delay="0"/>
+                                          </p:stCondLst>
+                                        </p:cTn>
+                                        <p:tgtEl>
+                                          <p:spTgt spid="3">
+                                            <p:txEl>
+                                              <p:pRg st="0" end="0"/>
+                                            </p:txEl>
+                                          </p:spTgt>
+                                        </p:tgtEl>
+                                        <p:attrNameLst>
+                                          <p:attrName>style.visibility</p:attrName>
+                                        </p:attrNameLst>
+                                      </p:cBhvr>
+                                      <p:to>
+                                        <p:strVal val="visible"/>
+                                      </p:to>
+                                    </p:set>
+                                  </p:childTnLst>
+                                </p:cTn>
+                              </p:par>
+                            </p:childTnLst>
+                          </p:cTn>
+                        </p:par>
+                      </p:childTnLst>
+                    </p:cTn>
+                  </p:par>
+                  <p:par>
+                    <p:cTn id="7" fill="hold">
+                      <p:stCondLst>
+                        <p:cond delay="indefinite"/>
+                      </p:stCondLst>
+                      <p:childTnLst>
+                        <p:par>
+                          <p:cTn id="8" fill="hold">
+                            <p:stCondLst>
+                              <p:cond delay="0"/>
+                            </p:stCondLst>
+                            <p:childTnLst>
+                              <p:par>
+                                <p:cTn id="9" presetID="1" presetClass="entr" presetSubtype="0" fill="hold" grpId="0" nodeType="clickEffect">
+                                  <p:stCondLst>
+                                    <p:cond delay="0"/>
+                                  </p:stCondLst>
+                                  <p:childTnLst>
+                                    <p:set>
+                                      <p:cBhvr>
+                                        <p:cTn id="10" dur="1" fill="hold">
+                                          <p:stCondLst>
+                                            <p:cond delay="0"/>
+                                          </p:stCondLst>
+                                        </p:cTn>
+                                        <p:tgtEl>
+                                          <p:spTgt spid="3">
+                                            <p:txEl>
+                                              <p:pRg st="1" end="1"/>
+                                            </p:txEl>
+                                          </p:spTgt>
+                                        </p:tgtEl>
+                                        <p:attrNameLst>
+                                          <p:attrName>style.visibility</p:attrName>
+                                        </p:attrNameLst>
+                                      </p:cBhvr>
+                                      <p:to>
+                                        <p:strVal val="visible"/>
+                                      </p:to>
+                                    </p:set>
+                                  </p:childTnLst>
+                                </p:cTn>
+                              </p:par>
+                            </p:childTnLst>
+                          </p:cTn>
+                        </p:par>
+                      </p:childTnLst>
+                    </p:cTn>
+                  </p:par>
+                  <p:par>
+                    <p:cTn id="11" fill="hold">
+                      <p:stCondLst>
+                        <p:cond delay="indefinite"/>
+                      </p:stCondLst>
+                      <p:childTnLst>
+                        <p:par>
+                          <p:cTn id="12" fill="hold">
+                            <p:stCondLst>
+                              <p:cond delay="0"/>
+                            </p:stCondLst>
+                            <p:childTnLst>
+                              <p:par>
+                                <p:cTn id="13" presetID="1" presetClass="entr" presetSubtype="0" fill="hold" grpId="0" nodeType="clickEffect">
+                                  <p:stCondLst>
+                                    <p:cond delay="0"/>
+                                  </p:stCondLst>
+                                  <p:childTnLst>
+                                    <p:set>
+                                      <p:cBhvr>
+                                        <p:cTn id="14" dur="1" fill="hold">
+                                          <p:stCondLst>
+                                            <p:cond delay="0"/>
+                                          </p:stCondLst>
+                                        </p:cTn>
+                                        <p:tgtEl>
+                                          <p:spTgt spid="3">
+                                            <p:txEl>
+                                              <p:pRg st="2" end="2"/>
+                                            </p:txEl>
+                                          </p:spTgt>
+                                        </p:tgtEl>
+                                        <p:attrNameLst>
+                                          <p:attrName>style.visibility</p:attrName>
+                                        </p:attrNameLst>
+                                      </p:cBhvr>
+                                      <p:to>
+                                        <p:strVal val="visible"/>
+                                      </p:to>
+                                    </p:set>
+                                  </p:childTnLst>
+                                </p:cTn>
+                              </p:par>
+                              <p:par>
+                                <p:cTn id="15" presetID="1" presetClass="entr" presetSubtype="0" fill="hold" grpId="0" nodeType="withEffect">
+                                  <p:stCondLst>
+                                    <p:cond delay="0"/>
+                                  </p:stCondLst>
+                                  <p:childTnLst>
+                                    <p:set>
+                                      <p:cBhvr>
+                                        <p:cTn id="16" dur="1" fill="hold">
+                                          <p:stCondLst>
+                                            <p:cond delay="0"/>
+                                          </p:stCondLst>
+                                        </p:cTn>
+                                        <p:tgtEl>
+                                          <p:spTgt spid="3">
+                                            <p:txEl>
+                                              <p:pRg st="3" end="3"/>
+                                            </p:txEl>
+                                          </p:spTgt>
+                                        </p:tgtEl>
+                                        <p:attrNameLst>
+                                          <p:attrName>style.visibility</p:attrName>
+                                        </p:attrNameLst>
+                                      </p:cBhvr>
+                                      <p:to>
+                                        <p:strVal val="visible"/>
+                                      </p:to>
+                                    </p:set>
+                                  </p:childTnLst>
+                                </p:cTn>
+                              </p:par>
+                            </p:childTnLst>
+                          </p:cTn>
+                        </p:par>
+                      </p:childTnLst>
+                    </p:cTn>
+                  </p:par>
+                  <p:par>
+                    <p:cTn id="17" fill="hold">
+                      <p:stCondLst>
+                        <p:cond delay="indefinite"/>
+                      </p:stCondLst>
+                      <p:childTnLst>
+                        <p:par>
+                          <p:cTn id="18" fill="hold">
+                            <p:stCondLst>
+                              <p:cond delay="0"/>
+                            </p:stCondLst>
+                            <p:childTnLst>
+                              <p:par>
+                                <p:cTn id="19" presetID="1" presetClass="entr" presetSubtype="0" fill="hold" grpId="0" nodeType="clickEffect">
+                                  <p:stCondLst>
+                                    <p:cond delay="0"/>
+                                  </p:stCondLst>
+                                  <p:childTnLst>
+                                    <p:set>
+                                      <p:cBhvr>
+                                        <p:cTn id="20" dur="1" fill="hold">
+                                          <p:stCondLst>
+                                            <p:cond delay="0"/>
+                                          </p:stCondLst>
+                                        </p:cTn>
+                                        <p:tgtEl>
+                                          <p:spTgt spid="3">
+                                            <p:txEl>
+                                              <p:pRg st="4" end="4"/>
+                                            </p:txEl>
+                                          </p:spTgt>
+                                        </p:tgtEl>
+                                        <p:attrNameLst>
+                                          <p:attrName>style.visibility</p:attrName>
+                                        </p:attrNameLst>
+                                      </p:cBhvr>
+                                      <p:to>
+                                        <p:strVal val="visible"/>
+                                      </p:to>
+                                    </p:set>
+                                  </p:childTnLst>
+                                </p:cTn>
+                              </p:par>
+                            </p:childTnLst>
+                          </p:cTn>
+                        </p:par>
+                      </p:childTnLst>
+                    </p:cTn>
+                  </p:par>
+                </p:childTnLst>
+              </p:cTn>
+              <p:prevCondLst>
+                <p:cond evt="onPrev" delay="0">
+                  <p:tgtEl>
+                    <p:sldTgt/>
+                  </p:tgtEl>
+                </p:cond>
+              </p:prevCondLst>
+              <p:nextCondLst>
+                <p:cond evt="onNext" delay="0">
+                  <p:tgtEl>
+                    <p:sldTgt/>
+                  </p:tgtEl>
+                </p:cond>
+              </p:nextCondLst>
+            </p:seq>
+          </p:childTnLst>
+        </p:cTn>
+      </p:par>
+    </p:tnLst>
+    <p:bldLst>
+      <p:bldP spid="3" grpId="0" uiExpand="1" build="p"/>
+    </p:bldLst>
+  </p:timing>
 </p:sld>
 </file>
 

--- a/comp-repro.pptx
+++ b/comp-repro.pptx
@@ -248,7 +248,7 @@
           <a:p>
             <a:fld id="{32DEC937-A386-4961-8A28-884D8B5C438A}" type="datetimeFigureOut">
               <a:rPr lang="en-US" smtClean="0"/>
-              <a:t>8/1/18</a:t>
+              <a:t>8/8/19</a:t>
             </a:fld>
             <a:endParaRPr lang="en-US"/>
           </a:p>
@@ -413,7 +413,7 @@
           <a:p>
             <a:fld id="{57C13B16-48AB-44EC-91A9-070EA98DE4A9}" type="datetimeFigureOut">
               <a:rPr lang="en-US" smtClean="0"/>
-              <a:t>8/1/18</a:t>
+              <a:t>8/8/19</a:t>
             </a:fld>
             <a:endParaRPr lang="en-US"/>
           </a:p>
@@ -1202,7 +1202,7 @@
           <a:p>
             <a:fld id="{DA150928-65F3-6645-8EAB-26196F697D16}" type="datetimeFigureOut">
               <a:rPr lang="en-US" smtClean="0"/>
-              <a:t>8/1/18</a:t>
+              <a:t>8/8/19</a:t>
             </a:fld>
             <a:endParaRPr lang="en-US"/>
           </a:p>
@@ -1723,7 +1723,7 @@
                   <a:schemeClr val="bg1"/>
                 </a:solidFill>
               </a:rPr>
-              <a:t>(Research Reproducibility in Theory and Practice, Day 4, FSCI2018)</a:t>
+              <a:t>(Research Reproducibility in Theory and Practice, Day 4, FSCI2019)</a:t>
             </a:r>
           </a:p>
           <a:p>
